--- a/Webosanh.vn - Data Feed Introduction.pptx
+++ b/Webosanh.vn - Data Feed Introduction.pptx
@@ -13,7 +13,8 @@
     <p:sldId id="261" r:id="rId7"/>
     <p:sldId id="262" r:id="rId8"/>
     <p:sldId id="263" r:id="rId9"/>
-    <p:sldId id="264" r:id="rId10"/>
+    <p:sldId id="266" r:id="rId10"/>
+    <p:sldId id="264" r:id="rId11"/>
   </p:sldIdLst>
   <p:sldSz cx="9144000" cy="6858000" type="screen4x3"/>
   <p:notesSz cx="6858000" cy="9144000"/>
@@ -307,7 +308,7 @@
           <a:p>
             <a:fld id="{216C5678-EE20-4FA5-88E2-6E0BD67A2E26}" type="datetime1">
               <a:rPr lang="en-US" smtClean="0"/>
-              <a:t>9/15/15</a:t>
+              <a:t>11/3/15</a:t>
             </a:fld>
             <a:endParaRPr lang="en-US" dirty="0"/>
           </a:p>
@@ -477,7 +478,7 @@
           <a:p>
             <a:fld id="{EA051B39-B140-43FE-96DB-472A2B59CE7C}" type="datetime1">
               <a:rPr lang="en-US" smtClean="0"/>
-              <a:t>9/15/15</a:t>
+              <a:t>11/3/15</a:t>
             </a:fld>
             <a:endParaRPr lang="en-US"/>
           </a:p>
@@ -657,7 +658,7 @@
           <a:p>
             <a:fld id="{DA600BB2-27C5-458B-ABCE-839C88CF47CE}" type="datetime1">
               <a:rPr lang="en-US" smtClean="0"/>
-              <a:t>9/15/15</a:t>
+              <a:t>11/3/15</a:t>
             </a:fld>
             <a:endParaRPr lang="en-US"/>
           </a:p>
@@ -845,7 +846,7 @@
           <a:p>
             <a:fld id="{B11D738E-8962-435F-8C43-147B8DD7E819}" type="datetime1">
               <a:rPr lang="en-US" smtClean="0"/>
-              <a:t>9/15/15</a:t>
+              <a:t>11/3/15</a:t>
             </a:fld>
             <a:endParaRPr lang="en-US"/>
           </a:p>
@@ -1112,7 +1113,7 @@
           <a:p>
             <a:fld id="{09CAEA93-55E7-4DA9-90C2-089A26EEFEC4}" type="datetime1">
               <a:rPr lang="en-US" smtClean="0"/>
-              <a:t>9/15/15</a:t>
+              <a:t>11/3/15</a:t>
             </a:fld>
             <a:endParaRPr lang="en-US"/>
           </a:p>
@@ -1465,7 +1466,7 @@
           <a:p>
             <a:fld id="{E34CF3C7-6809-4F39-BD67-A75817BDDE0A}" type="datetime1">
               <a:rPr lang="en-US" smtClean="0"/>
-              <a:t>9/15/15</a:t>
+              <a:t>11/3/15</a:t>
             </a:fld>
             <a:endParaRPr lang="en-US"/>
           </a:p>
@@ -1778,7 +1779,7 @@
           <a:p>
             <a:fld id="{F7EAEB24-CE78-465C-A726-91D0868FA48F}" type="datetime1">
               <a:rPr lang="en-US" smtClean="0"/>
-              <a:t>9/15/15</a:t>
+              <a:t>11/3/15</a:t>
             </a:fld>
             <a:endParaRPr lang="en-US"/>
           </a:p>
@@ -2010,7 +2011,7 @@
           <a:p>
             <a:fld id="{40BAADF0-1749-4E8B-9691-B44A5F8C0895}" type="datetime1">
               <a:rPr lang="en-US" smtClean="0"/>
-              <a:t>9/15/15</a:t>
+              <a:t>11/3/15</a:t>
             </a:fld>
             <a:endParaRPr lang="en-US"/>
           </a:p>
@@ -2105,7 +2106,7 @@
           <a:p>
             <a:fld id="{A8AF628A-A867-4937-BBE5-207DB6F9C51A}" type="datetime1">
               <a:rPr lang="en-US" smtClean="0"/>
-              <a:t>9/15/15</a:t>
+              <a:t>11/3/15</a:t>
             </a:fld>
             <a:endParaRPr lang="en-US"/>
           </a:p>
@@ -2398,7 +2399,7 @@
           <a:p>
             <a:fld id="{118BBB94-68E6-4675-A946-F1C5994EDBD7}" type="datetime1">
               <a:rPr lang="en-US" smtClean="0"/>
-              <a:t>9/15/15</a:t>
+              <a:t>11/3/15</a:t>
             </a:fld>
             <a:endParaRPr lang="en-US"/>
           </a:p>
@@ -2672,7 +2673,7 @@
           <a:p>
             <a:fld id="{DC3B8377-21E3-4835-B75D-4E2847E2750F}" type="datetime1">
               <a:rPr lang="en-US" smtClean="0"/>
-              <a:t>9/15/15</a:t>
+              <a:t>11/3/15</a:t>
             </a:fld>
             <a:endParaRPr lang="en-US"/>
           </a:p>
@@ -2887,7 +2888,7 @@
           <a:p>
             <a:fld id="{B0C4986D-6BE9-4264-908F-02DB36FD8D6C}" type="datetime1">
               <a:rPr lang="en-US" smtClean="0"/>
-              <a:t>9/15/15</a:t>
+              <a:t>11/3/15</a:t>
             </a:fld>
             <a:endParaRPr lang="en-US" dirty="0"/>
           </a:p>
@@ -3579,6 +3580,1226 @@
 </p:sld>
 </file>
 
+<file path=ppt/slides/slide10.xml><?xml version="1.0" encoding="utf-8"?>
+<p:sld xmlns:a="http://schemas.openxmlformats.org/drawingml/2006/main" xmlns:r="http://schemas.openxmlformats.org/officeDocument/2006/relationships" xmlns:p="http://schemas.openxmlformats.org/presentationml/2006/main">
+  <p:cSld>
+    <p:spTree>
+      <p:nvGrpSpPr>
+        <p:cNvPr id="1" name=""/>
+        <p:cNvGrpSpPr/>
+        <p:nvPr/>
+      </p:nvGrpSpPr>
+      <p:grpSpPr>
+        <a:xfrm>
+          <a:off x="0" y="0"/>
+          <a:ext cx="0" cy="0"/>
+          <a:chOff x="0" y="0"/>
+          <a:chExt cx="0" cy="0"/>
+        </a:xfrm>
+      </p:grpSpPr>
+      <p:sp>
+        <p:nvSpPr>
+          <p:cNvPr id="2" name="Title 1"/>
+          <p:cNvSpPr>
+            <a:spLocks noGrp="1"/>
+          </p:cNvSpPr>
+          <p:nvPr>
+            <p:ph type="title"/>
+          </p:nvPr>
+        </p:nvSpPr>
+        <p:spPr/>
+        <p:txBody>
+          <a:bodyPr/>
+          <a:lstStyle/>
+          <a:p>
+            <a:r>
+              <a:rPr lang="en-US" sz="4800" dirty="0" smtClean="0"/>
+              <a:t>Source code </a:t>
+            </a:r>
+            <a:r>
+              <a:rPr lang="en-US" sz="4800" dirty="0" err="1" smtClean="0"/>
+              <a:t>mẫu</a:t>
+            </a:r>
+            <a:endParaRPr lang="en-US" sz="4800" dirty="0"/>
+          </a:p>
+        </p:txBody>
+      </p:sp>
+      <p:sp>
+        <p:nvSpPr>
+          <p:cNvPr id="3" name="Content Placeholder 2"/>
+          <p:cNvSpPr>
+            <a:spLocks noGrp="1"/>
+          </p:cNvSpPr>
+          <p:nvPr>
+            <p:ph idx="1"/>
+          </p:nvPr>
+        </p:nvSpPr>
+        <p:spPr/>
+        <p:txBody>
+          <a:bodyPr/>
+          <a:lstStyle/>
+          <a:p>
+            <a:r>
+              <a:rPr lang="en-US" dirty="0" smtClean="0">
+                <a:solidFill>
+                  <a:srgbClr val="595959"/>
+                </a:solidFill>
+                <a:latin typeface="Arial"/>
+                <a:cs typeface="Arial"/>
+              </a:rPr>
+              <a:t>Link down source code </a:t>
+            </a:r>
+            <a:r>
+              <a:rPr lang="en-US" dirty="0" err="1" smtClean="0">
+                <a:solidFill>
+                  <a:srgbClr val="595959"/>
+                </a:solidFill>
+                <a:latin typeface="Arial"/>
+                <a:cs typeface="Arial"/>
+              </a:rPr>
+              <a:t>mẫu</a:t>
+            </a:r>
+            <a:r>
+              <a:rPr lang="en-US" dirty="0" smtClean="0">
+                <a:solidFill>
+                  <a:srgbClr val="595959"/>
+                </a:solidFill>
+                <a:latin typeface="Arial"/>
+                <a:cs typeface="Arial"/>
+              </a:rPr>
+              <a:t> </a:t>
+            </a:r>
+            <a:r>
+              <a:rPr lang="en-US" dirty="0" err="1" smtClean="0">
+                <a:solidFill>
+                  <a:srgbClr val="595959"/>
+                </a:solidFill>
+                <a:latin typeface="Arial"/>
+                <a:cs typeface="Arial"/>
+              </a:rPr>
+              <a:t>và</a:t>
+            </a:r>
+            <a:r>
+              <a:rPr lang="en-US" dirty="0" smtClean="0">
+                <a:solidFill>
+                  <a:srgbClr val="595959"/>
+                </a:solidFill>
+                <a:latin typeface="Arial"/>
+                <a:cs typeface="Arial"/>
+              </a:rPr>
+              <a:t> </a:t>
+            </a:r>
+            <a:r>
+              <a:rPr lang="en-US" dirty="0" err="1" smtClean="0">
+                <a:solidFill>
+                  <a:srgbClr val="595959"/>
+                </a:solidFill>
+                <a:latin typeface="Arial"/>
+                <a:cs typeface="Arial"/>
+              </a:rPr>
+              <a:t>thư</a:t>
+            </a:r>
+            <a:r>
+              <a:rPr lang="en-US" dirty="0" smtClean="0">
+                <a:solidFill>
+                  <a:srgbClr val="595959"/>
+                </a:solidFill>
+                <a:latin typeface="Arial"/>
+                <a:cs typeface="Arial"/>
+              </a:rPr>
+              <a:t> </a:t>
+            </a:r>
+            <a:r>
+              <a:rPr lang="en-US" dirty="0" err="1" smtClean="0">
+                <a:solidFill>
+                  <a:srgbClr val="595959"/>
+                </a:solidFill>
+                <a:latin typeface="Arial"/>
+                <a:cs typeface="Arial"/>
+              </a:rPr>
+              <a:t>viện</a:t>
+            </a:r>
+            <a:r>
+              <a:rPr lang="en-US" dirty="0" smtClean="0">
+                <a:solidFill>
+                  <a:srgbClr val="595959"/>
+                </a:solidFill>
+                <a:latin typeface="Arial"/>
+                <a:cs typeface="Arial"/>
+              </a:rPr>
+              <a:t>:</a:t>
+            </a:r>
+          </a:p>
+          <a:p>
+            <a:pPr marL="457200" lvl="1" indent="0">
+              <a:buNone/>
+            </a:pPr>
+            <a:r>
+              <a:rPr lang="en-US" dirty="0" smtClean="0">
+                <a:solidFill>
+                  <a:srgbClr val="595959"/>
+                </a:solidFill>
+                <a:latin typeface="Arial"/>
+                <a:cs typeface="Arial"/>
+                <a:hlinkClick r:id="rId2"/>
+              </a:rPr>
+              <a:t>https://github.com/anhtoan/wss-datafeed</a:t>
+            </a:r>
+            <a:endParaRPr lang="en-US" dirty="0" smtClean="0">
+              <a:solidFill>
+                <a:srgbClr val="595959"/>
+              </a:solidFill>
+              <a:latin typeface="Arial"/>
+              <a:cs typeface="Arial"/>
+            </a:endParaRPr>
+          </a:p>
+          <a:p>
+            <a:pPr marL="457200" lvl="1" indent="0">
+              <a:buNone/>
+            </a:pPr>
+            <a:r>
+              <a:rPr lang="en-US" dirty="0" err="1" smtClean="0">
+                <a:solidFill>
+                  <a:srgbClr val="595959"/>
+                </a:solidFill>
+                <a:latin typeface="Arial"/>
+                <a:cs typeface="Arial"/>
+              </a:rPr>
+              <a:t>Hiện</a:t>
+            </a:r>
+            <a:r>
+              <a:rPr lang="en-US" dirty="0" smtClean="0">
+                <a:solidFill>
+                  <a:srgbClr val="595959"/>
+                </a:solidFill>
+                <a:latin typeface="Arial"/>
+                <a:cs typeface="Arial"/>
+              </a:rPr>
+              <a:t> </a:t>
+            </a:r>
+            <a:r>
+              <a:rPr lang="en-US" dirty="0" err="1" smtClean="0">
+                <a:solidFill>
+                  <a:srgbClr val="595959"/>
+                </a:solidFill>
+                <a:latin typeface="Arial"/>
+                <a:cs typeface="Arial"/>
+              </a:rPr>
+              <a:t>tại</a:t>
+            </a:r>
+            <a:r>
+              <a:rPr lang="en-US" dirty="0" smtClean="0">
+                <a:solidFill>
+                  <a:srgbClr val="595959"/>
+                </a:solidFill>
+                <a:latin typeface="Arial"/>
+                <a:cs typeface="Arial"/>
+              </a:rPr>
+              <a:t> </a:t>
+            </a:r>
+            <a:r>
+              <a:rPr lang="en-US" dirty="0" err="1" smtClean="0">
+                <a:solidFill>
+                  <a:srgbClr val="595959"/>
+                </a:solidFill>
+                <a:latin typeface="Arial"/>
+                <a:cs typeface="Arial"/>
+              </a:rPr>
+              <a:t>websosanh.vn</a:t>
+            </a:r>
+            <a:r>
+              <a:rPr lang="en-US" dirty="0" smtClean="0">
+                <a:solidFill>
+                  <a:srgbClr val="595959"/>
+                </a:solidFill>
+                <a:latin typeface="Arial"/>
+                <a:cs typeface="Arial"/>
+              </a:rPr>
+              <a:t> </a:t>
+            </a:r>
+            <a:r>
+              <a:rPr lang="en-US" dirty="0" err="1" smtClean="0">
+                <a:solidFill>
+                  <a:srgbClr val="595959"/>
+                </a:solidFill>
+                <a:latin typeface="Arial"/>
+                <a:cs typeface="Arial"/>
+              </a:rPr>
+              <a:t>cung</a:t>
+            </a:r>
+            <a:r>
+              <a:rPr lang="en-US" dirty="0" smtClean="0">
+                <a:solidFill>
+                  <a:srgbClr val="595959"/>
+                </a:solidFill>
+                <a:latin typeface="Arial"/>
+                <a:cs typeface="Arial"/>
+              </a:rPr>
+              <a:t> </a:t>
+            </a:r>
+            <a:r>
+              <a:rPr lang="en-US" dirty="0" err="1" smtClean="0">
+                <a:solidFill>
+                  <a:srgbClr val="595959"/>
+                </a:solidFill>
+                <a:latin typeface="Arial"/>
+                <a:cs typeface="Arial"/>
+              </a:rPr>
+              <a:t>cấp</a:t>
+            </a:r>
+            <a:r>
+              <a:rPr lang="en-US" dirty="0" smtClean="0">
+                <a:solidFill>
+                  <a:srgbClr val="595959"/>
+                </a:solidFill>
+                <a:latin typeface="Arial"/>
+                <a:cs typeface="Arial"/>
+              </a:rPr>
+              <a:t> code </a:t>
+            </a:r>
+            <a:r>
+              <a:rPr lang="en-US" dirty="0" err="1" smtClean="0">
+                <a:solidFill>
+                  <a:srgbClr val="595959"/>
+                </a:solidFill>
+                <a:latin typeface="Arial"/>
+                <a:cs typeface="Arial"/>
+              </a:rPr>
+              <a:t>mẫu</a:t>
+            </a:r>
+            <a:r>
+              <a:rPr lang="en-US" dirty="0" smtClean="0">
+                <a:solidFill>
+                  <a:srgbClr val="595959"/>
+                </a:solidFill>
+                <a:latin typeface="Arial"/>
+                <a:cs typeface="Arial"/>
+              </a:rPr>
+              <a:t> </a:t>
+            </a:r>
+            <a:r>
+              <a:rPr lang="en-US" dirty="0" err="1" smtClean="0">
+                <a:solidFill>
+                  <a:srgbClr val="595959"/>
+                </a:solidFill>
+                <a:latin typeface="Arial"/>
+                <a:cs typeface="Arial"/>
+              </a:rPr>
+              <a:t>cho</a:t>
+            </a:r>
+            <a:r>
+              <a:rPr lang="en-US" dirty="0" smtClean="0">
+                <a:solidFill>
+                  <a:srgbClr val="595959"/>
+                </a:solidFill>
+                <a:latin typeface="Arial"/>
+                <a:cs typeface="Arial"/>
+              </a:rPr>
+              <a:t> </a:t>
+            </a:r>
+            <a:r>
+              <a:rPr lang="en-US" dirty="0" err="1" smtClean="0">
+                <a:solidFill>
+                  <a:srgbClr val="595959"/>
+                </a:solidFill>
+                <a:latin typeface="Arial"/>
+                <a:cs typeface="Arial"/>
+              </a:rPr>
+              <a:t>các</a:t>
+            </a:r>
+            <a:r>
+              <a:rPr lang="en-US" dirty="0" smtClean="0">
+                <a:solidFill>
+                  <a:srgbClr val="595959"/>
+                </a:solidFill>
+                <a:latin typeface="Arial"/>
+                <a:cs typeface="Arial"/>
+              </a:rPr>
+              <a:t> </a:t>
+            </a:r>
+            <a:r>
+              <a:rPr lang="en-US" dirty="0" err="1" smtClean="0">
+                <a:solidFill>
+                  <a:srgbClr val="595959"/>
+                </a:solidFill>
+                <a:latin typeface="Arial"/>
+                <a:cs typeface="Arial"/>
+              </a:rPr>
+              <a:t>nền</a:t>
+            </a:r>
+            <a:r>
+              <a:rPr lang="en-US" dirty="0" smtClean="0">
+                <a:solidFill>
+                  <a:srgbClr val="595959"/>
+                </a:solidFill>
+                <a:latin typeface="Arial"/>
+                <a:cs typeface="Arial"/>
+              </a:rPr>
+              <a:t> </a:t>
+            </a:r>
+            <a:r>
+              <a:rPr lang="en-US" dirty="0" err="1" smtClean="0">
+                <a:solidFill>
+                  <a:srgbClr val="595959"/>
+                </a:solidFill>
+                <a:latin typeface="Arial"/>
+                <a:cs typeface="Arial"/>
+              </a:rPr>
+              <a:t>tảng</a:t>
+            </a:r>
+            <a:r>
+              <a:rPr lang="en-US" dirty="0" smtClean="0">
+                <a:solidFill>
+                  <a:srgbClr val="595959"/>
+                </a:solidFill>
+                <a:latin typeface="Arial"/>
+                <a:cs typeface="Arial"/>
+              </a:rPr>
+              <a:t>:</a:t>
+            </a:r>
+          </a:p>
+          <a:p>
+            <a:pPr lvl="1">
+              <a:buFontTx/>
+              <a:buChar char="-"/>
+            </a:pPr>
+            <a:r>
+              <a:rPr lang="en-US" dirty="0" err="1" smtClean="0">
+                <a:solidFill>
+                  <a:srgbClr val="595959"/>
+                </a:solidFill>
+                <a:latin typeface="Arial"/>
+                <a:cs typeface="Arial"/>
+              </a:rPr>
+              <a:t>ASP.Net</a:t>
+            </a:r>
+            <a:endParaRPr lang="en-US" dirty="0" smtClean="0">
+              <a:solidFill>
+                <a:srgbClr val="595959"/>
+              </a:solidFill>
+              <a:latin typeface="Arial"/>
+              <a:cs typeface="Arial"/>
+            </a:endParaRPr>
+          </a:p>
+          <a:p>
+            <a:pPr lvl="1">
+              <a:buFontTx/>
+              <a:buChar char="-"/>
+            </a:pPr>
+            <a:r>
+              <a:rPr lang="en-US" dirty="0" smtClean="0">
+                <a:solidFill>
+                  <a:srgbClr val="595959"/>
+                </a:solidFill>
+                <a:latin typeface="Arial"/>
+                <a:cs typeface="Arial"/>
+              </a:rPr>
+              <a:t>PHP - Native</a:t>
+            </a:r>
+          </a:p>
+          <a:p>
+            <a:pPr lvl="1">
+              <a:buFontTx/>
+              <a:buChar char="-"/>
+            </a:pPr>
+            <a:r>
+              <a:rPr lang="en-US" dirty="0" smtClean="0">
+                <a:solidFill>
+                  <a:srgbClr val="595959"/>
+                </a:solidFill>
+                <a:latin typeface="Arial"/>
+                <a:cs typeface="Arial"/>
+              </a:rPr>
+              <a:t>PHP - Open Cart</a:t>
+            </a:r>
+          </a:p>
+          <a:p>
+            <a:pPr lvl="1">
+              <a:buFontTx/>
+              <a:buChar char="-"/>
+            </a:pPr>
+            <a:r>
+              <a:rPr lang="en-US" dirty="0" smtClean="0">
+                <a:solidFill>
+                  <a:srgbClr val="595959"/>
+                </a:solidFill>
+                <a:latin typeface="Arial"/>
+                <a:cs typeface="Arial"/>
+              </a:rPr>
+              <a:t>PHP - CS Cart</a:t>
+            </a:r>
+          </a:p>
+          <a:p>
+            <a:pPr lvl="1">
+              <a:buFontTx/>
+              <a:buChar char="-"/>
+            </a:pPr>
+            <a:r>
+              <a:rPr lang="en-US" dirty="0" smtClean="0">
+                <a:solidFill>
+                  <a:srgbClr val="595959"/>
+                </a:solidFill>
+                <a:latin typeface="Arial"/>
+                <a:cs typeface="Arial"/>
+              </a:rPr>
+              <a:t>PHP - </a:t>
+            </a:r>
+            <a:r>
+              <a:rPr lang="en-US" dirty="0" err="1" smtClean="0">
+                <a:solidFill>
+                  <a:srgbClr val="595959"/>
+                </a:solidFill>
+                <a:latin typeface="Arial"/>
+                <a:cs typeface="Arial"/>
+              </a:rPr>
+              <a:t>Wordpress</a:t>
+            </a:r>
+            <a:endParaRPr lang="en-US" dirty="0">
+              <a:solidFill>
+                <a:srgbClr val="595959"/>
+              </a:solidFill>
+              <a:latin typeface="Arial"/>
+              <a:cs typeface="Arial"/>
+            </a:endParaRPr>
+          </a:p>
+          <a:p>
+            <a:pPr lvl="1">
+              <a:buFontTx/>
+              <a:buChar char="-"/>
+            </a:pPr>
+            <a:r>
+              <a:rPr lang="en-US" dirty="0" smtClean="0">
+                <a:solidFill>
+                  <a:srgbClr val="595959"/>
+                </a:solidFill>
+                <a:latin typeface="Arial"/>
+                <a:cs typeface="Arial"/>
+              </a:rPr>
+              <a:t>PHP - </a:t>
+            </a:r>
+            <a:r>
+              <a:rPr lang="en-US" dirty="0" err="1" smtClean="0">
+                <a:solidFill>
+                  <a:srgbClr val="595959"/>
+                </a:solidFill>
+                <a:latin typeface="Arial"/>
+                <a:cs typeface="Arial"/>
+              </a:rPr>
+              <a:t>Wordpress</a:t>
+            </a:r>
+            <a:r>
+              <a:rPr lang="en-US" dirty="0" smtClean="0">
+                <a:solidFill>
+                  <a:srgbClr val="595959"/>
+                </a:solidFill>
+                <a:latin typeface="Arial"/>
+                <a:cs typeface="Arial"/>
+              </a:rPr>
+              <a:t> Plugin</a:t>
+            </a:r>
+            <a:endParaRPr lang="en-US" dirty="0">
+              <a:solidFill>
+                <a:srgbClr val="595959"/>
+              </a:solidFill>
+              <a:latin typeface="Arial"/>
+              <a:cs typeface="Arial"/>
+            </a:endParaRPr>
+          </a:p>
+          <a:p>
+            <a:pPr lvl="1">
+              <a:buFontTx/>
+              <a:buChar char="-"/>
+            </a:pPr>
+            <a:r>
+              <a:rPr lang="en-US" dirty="0" err="1">
+                <a:solidFill>
+                  <a:srgbClr val="595959"/>
+                </a:solidFill>
+                <a:latin typeface="Arial"/>
+                <a:cs typeface="Arial"/>
+              </a:rPr>
+              <a:t>Ngoài</a:t>
+            </a:r>
+            <a:r>
+              <a:rPr lang="en-US" dirty="0">
+                <a:solidFill>
+                  <a:srgbClr val="595959"/>
+                </a:solidFill>
+                <a:latin typeface="Arial"/>
+                <a:cs typeface="Arial"/>
+              </a:rPr>
+              <a:t> </a:t>
+            </a:r>
+            <a:r>
+              <a:rPr lang="en-US" dirty="0" err="1">
+                <a:solidFill>
+                  <a:srgbClr val="595959"/>
+                </a:solidFill>
+                <a:latin typeface="Arial"/>
+                <a:cs typeface="Arial"/>
+              </a:rPr>
+              <a:t>ra</a:t>
+            </a:r>
+            <a:r>
+              <a:rPr lang="en-US" dirty="0">
+                <a:solidFill>
+                  <a:srgbClr val="595959"/>
+                </a:solidFill>
+                <a:latin typeface="Arial"/>
+                <a:cs typeface="Arial"/>
+              </a:rPr>
+              <a:t> </a:t>
+            </a:r>
+            <a:r>
+              <a:rPr lang="en-US" dirty="0" err="1">
+                <a:solidFill>
+                  <a:srgbClr val="595959"/>
+                </a:solidFill>
+                <a:latin typeface="Arial"/>
+                <a:cs typeface="Arial"/>
+              </a:rPr>
+              <a:t>websosanh.vn</a:t>
+            </a:r>
+            <a:r>
+              <a:rPr lang="en-US" dirty="0">
+                <a:solidFill>
+                  <a:srgbClr val="595959"/>
+                </a:solidFill>
+                <a:latin typeface="Arial"/>
+                <a:cs typeface="Arial"/>
+              </a:rPr>
+              <a:t> </a:t>
+            </a:r>
+            <a:r>
+              <a:rPr lang="en-US" dirty="0" err="1">
+                <a:solidFill>
+                  <a:srgbClr val="595959"/>
+                </a:solidFill>
+                <a:latin typeface="Arial"/>
+                <a:cs typeface="Arial"/>
+              </a:rPr>
+              <a:t>đã</a:t>
+            </a:r>
+            <a:r>
+              <a:rPr lang="en-US" dirty="0">
+                <a:solidFill>
+                  <a:srgbClr val="595959"/>
+                </a:solidFill>
+                <a:latin typeface="Arial"/>
+                <a:cs typeface="Arial"/>
+              </a:rPr>
+              <a:t> </a:t>
+            </a:r>
+            <a:r>
+              <a:rPr lang="en-US" dirty="0" err="1">
+                <a:solidFill>
+                  <a:srgbClr val="595959"/>
+                </a:solidFill>
+                <a:latin typeface="Arial"/>
+                <a:cs typeface="Arial"/>
+              </a:rPr>
+              <a:t>hợp</a:t>
+            </a:r>
+            <a:r>
+              <a:rPr lang="en-US" dirty="0">
+                <a:solidFill>
+                  <a:srgbClr val="595959"/>
+                </a:solidFill>
+                <a:latin typeface="Arial"/>
+                <a:cs typeface="Arial"/>
+              </a:rPr>
+              <a:t> </a:t>
+            </a:r>
+            <a:r>
+              <a:rPr lang="en-US" dirty="0" err="1">
+                <a:solidFill>
+                  <a:srgbClr val="595959"/>
+                </a:solidFill>
+                <a:latin typeface="Arial"/>
+                <a:cs typeface="Arial"/>
+              </a:rPr>
+              <a:t>tác</a:t>
+            </a:r>
+            <a:r>
+              <a:rPr lang="en-US" dirty="0">
+                <a:solidFill>
+                  <a:srgbClr val="595959"/>
+                </a:solidFill>
+                <a:latin typeface="Arial"/>
+                <a:cs typeface="Arial"/>
+              </a:rPr>
+              <a:t> </a:t>
+            </a:r>
+            <a:r>
+              <a:rPr lang="en-US" dirty="0" err="1">
+                <a:solidFill>
+                  <a:srgbClr val="595959"/>
+                </a:solidFill>
+                <a:latin typeface="Arial"/>
+                <a:cs typeface="Arial"/>
+              </a:rPr>
+              <a:t>với</a:t>
+            </a:r>
+            <a:r>
+              <a:rPr lang="en-US" dirty="0">
+                <a:solidFill>
+                  <a:srgbClr val="595959"/>
+                </a:solidFill>
+                <a:latin typeface="Arial"/>
+                <a:cs typeface="Arial"/>
+              </a:rPr>
+              <a:t> </a:t>
+            </a:r>
+            <a:r>
+              <a:rPr lang="en-US" dirty="0" err="1">
+                <a:solidFill>
+                  <a:srgbClr val="595959"/>
+                </a:solidFill>
+                <a:latin typeface="Arial"/>
+                <a:cs typeface="Arial"/>
+              </a:rPr>
+              <a:t>các</a:t>
+            </a:r>
+            <a:r>
+              <a:rPr lang="en-US" dirty="0">
+                <a:solidFill>
+                  <a:srgbClr val="595959"/>
+                </a:solidFill>
+                <a:latin typeface="Arial"/>
+                <a:cs typeface="Arial"/>
+              </a:rPr>
+              <a:t> website </a:t>
+            </a:r>
+            <a:r>
+              <a:rPr lang="en-US" dirty="0" err="1">
+                <a:solidFill>
+                  <a:srgbClr val="595959"/>
+                </a:solidFill>
+                <a:latin typeface="Arial"/>
+                <a:cs typeface="Arial"/>
+              </a:rPr>
+              <a:t>cung</a:t>
+            </a:r>
+            <a:r>
+              <a:rPr lang="en-US" dirty="0">
+                <a:solidFill>
+                  <a:srgbClr val="595959"/>
+                </a:solidFill>
+                <a:latin typeface="Arial"/>
+                <a:cs typeface="Arial"/>
+              </a:rPr>
+              <a:t> </a:t>
+            </a:r>
+            <a:r>
+              <a:rPr lang="en-US" dirty="0" err="1">
+                <a:solidFill>
+                  <a:srgbClr val="595959"/>
+                </a:solidFill>
+                <a:latin typeface="Arial"/>
+                <a:cs typeface="Arial"/>
+              </a:rPr>
+              <a:t>cấp</a:t>
+            </a:r>
+            <a:r>
+              <a:rPr lang="en-US" dirty="0">
+                <a:solidFill>
+                  <a:srgbClr val="595959"/>
+                </a:solidFill>
+                <a:latin typeface="Arial"/>
+                <a:cs typeface="Arial"/>
+              </a:rPr>
+              <a:t> </a:t>
+            </a:r>
+            <a:r>
+              <a:rPr lang="en-US" dirty="0" err="1">
+                <a:solidFill>
+                  <a:srgbClr val="595959"/>
+                </a:solidFill>
+                <a:latin typeface="Arial"/>
+                <a:cs typeface="Arial"/>
+              </a:rPr>
+              <a:t>hệ</a:t>
+            </a:r>
+            <a:r>
+              <a:rPr lang="en-US" dirty="0">
+                <a:solidFill>
+                  <a:srgbClr val="595959"/>
+                </a:solidFill>
+                <a:latin typeface="Arial"/>
+                <a:cs typeface="Arial"/>
+              </a:rPr>
+              <a:t> </a:t>
+            </a:r>
+            <a:r>
+              <a:rPr lang="en-US" dirty="0" err="1">
+                <a:solidFill>
+                  <a:srgbClr val="595959"/>
+                </a:solidFill>
+                <a:latin typeface="Arial"/>
+                <a:cs typeface="Arial"/>
+              </a:rPr>
+              <a:t>thông</a:t>
+            </a:r>
+            <a:r>
+              <a:rPr lang="en-US" dirty="0">
+                <a:solidFill>
+                  <a:srgbClr val="595959"/>
+                </a:solidFill>
+                <a:latin typeface="Arial"/>
+                <a:cs typeface="Arial"/>
+              </a:rPr>
+              <a:t> </a:t>
+            </a:r>
+            <a:r>
+              <a:rPr lang="en-US" dirty="0" err="1">
+                <a:solidFill>
+                  <a:srgbClr val="595959"/>
+                </a:solidFill>
+                <a:latin typeface="Arial"/>
+                <a:cs typeface="Arial"/>
+              </a:rPr>
+              <a:t>gian</a:t>
+            </a:r>
+            <a:r>
+              <a:rPr lang="en-US" dirty="0">
+                <a:solidFill>
+                  <a:srgbClr val="595959"/>
+                </a:solidFill>
+                <a:latin typeface="Arial"/>
+                <a:cs typeface="Arial"/>
+              </a:rPr>
+              <a:t> </a:t>
+            </a:r>
+            <a:r>
+              <a:rPr lang="en-US" dirty="0" err="1">
+                <a:solidFill>
+                  <a:srgbClr val="595959"/>
+                </a:solidFill>
+                <a:latin typeface="Arial"/>
+                <a:cs typeface="Arial"/>
+              </a:rPr>
+              <a:t>hàng</a:t>
+            </a:r>
+            <a:r>
+              <a:rPr lang="en-US" dirty="0">
+                <a:solidFill>
+                  <a:srgbClr val="595959"/>
+                </a:solidFill>
+                <a:latin typeface="Arial"/>
+                <a:cs typeface="Arial"/>
+              </a:rPr>
+              <a:t> </a:t>
+            </a:r>
+            <a:r>
+              <a:rPr lang="en-US" dirty="0" err="1">
+                <a:solidFill>
+                  <a:srgbClr val="595959"/>
+                </a:solidFill>
+                <a:latin typeface="Arial"/>
+                <a:cs typeface="Arial"/>
+              </a:rPr>
+              <a:t>trực</a:t>
+            </a:r>
+            <a:r>
+              <a:rPr lang="en-US" dirty="0">
+                <a:solidFill>
+                  <a:srgbClr val="595959"/>
+                </a:solidFill>
+                <a:latin typeface="Arial"/>
+                <a:cs typeface="Arial"/>
+              </a:rPr>
+              <a:t> </a:t>
+            </a:r>
+            <a:r>
+              <a:rPr lang="en-US" dirty="0" err="1">
+                <a:solidFill>
+                  <a:srgbClr val="595959"/>
+                </a:solidFill>
+                <a:latin typeface="Arial"/>
+                <a:cs typeface="Arial"/>
+              </a:rPr>
+              <a:t>tuyến</a:t>
+            </a:r>
+            <a:r>
+              <a:rPr lang="en-US" dirty="0">
+                <a:solidFill>
+                  <a:srgbClr val="595959"/>
+                </a:solidFill>
+                <a:latin typeface="Arial"/>
+                <a:cs typeface="Arial"/>
+              </a:rPr>
+              <a:t> </a:t>
+            </a:r>
+            <a:r>
+              <a:rPr lang="en-US" dirty="0" err="1">
+                <a:solidFill>
+                  <a:srgbClr val="595959"/>
+                </a:solidFill>
+                <a:latin typeface="Arial"/>
+                <a:cs typeface="Arial"/>
+              </a:rPr>
+              <a:t>lớn</a:t>
+            </a:r>
+            <a:r>
+              <a:rPr lang="en-US" dirty="0">
+                <a:solidFill>
+                  <a:srgbClr val="595959"/>
+                </a:solidFill>
+                <a:latin typeface="Arial"/>
+                <a:cs typeface="Arial"/>
+              </a:rPr>
+              <a:t> </a:t>
+            </a:r>
+            <a:r>
+              <a:rPr lang="en-US" dirty="0" err="1">
+                <a:solidFill>
+                  <a:srgbClr val="595959"/>
+                </a:solidFill>
+                <a:latin typeface="Arial"/>
+                <a:cs typeface="Arial"/>
+              </a:rPr>
+              <a:t>như</a:t>
+            </a:r>
+            <a:r>
+              <a:rPr lang="en-US" dirty="0">
+                <a:solidFill>
+                  <a:srgbClr val="595959"/>
+                </a:solidFill>
+                <a:latin typeface="Arial"/>
+                <a:cs typeface="Arial"/>
+              </a:rPr>
+              <a:t> </a:t>
+            </a:r>
+            <a:r>
+              <a:rPr lang="en-US" dirty="0" err="1">
+                <a:solidFill>
+                  <a:srgbClr val="595959"/>
+                </a:solidFill>
+                <a:latin typeface="Arial"/>
+                <a:cs typeface="Arial"/>
+              </a:rPr>
+              <a:t>Haravan</a:t>
+            </a:r>
+            <a:r>
+              <a:rPr lang="en-US" dirty="0">
+                <a:solidFill>
+                  <a:srgbClr val="595959"/>
+                </a:solidFill>
+                <a:latin typeface="Arial"/>
+                <a:cs typeface="Arial"/>
+              </a:rPr>
+              <a:t>, </a:t>
+            </a:r>
+            <a:r>
+              <a:rPr lang="en-US" dirty="0" err="1">
+                <a:solidFill>
+                  <a:srgbClr val="595959"/>
+                </a:solidFill>
+                <a:latin typeface="Arial"/>
+                <a:cs typeface="Arial"/>
+              </a:rPr>
+              <a:t>Bizweb</a:t>
+            </a:r>
+            <a:r>
+              <a:rPr lang="en-US" dirty="0">
+                <a:solidFill>
+                  <a:srgbClr val="595959"/>
+                </a:solidFill>
+                <a:latin typeface="Arial"/>
+                <a:cs typeface="Arial"/>
+              </a:rPr>
+              <a:t>, BNC.</a:t>
+            </a:r>
+            <a:r>
+              <a:rPr lang="en-US" dirty="0" smtClean="0">
+                <a:solidFill>
+                  <a:srgbClr val="595959"/>
+                </a:solidFill>
+                <a:latin typeface="Arial"/>
+                <a:cs typeface="Arial"/>
+              </a:rPr>
+              <a:t>. </a:t>
+            </a:r>
+            <a:r>
+              <a:rPr lang="en-US" dirty="0" err="1" smtClean="0">
+                <a:solidFill>
+                  <a:srgbClr val="595959"/>
+                </a:solidFill>
+                <a:latin typeface="Arial"/>
+                <a:cs typeface="Arial"/>
+              </a:rPr>
+              <a:t>V</a:t>
+            </a:r>
+            <a:r>
+              <a:rPr lang="en-US" dirty="0" err="1" smtClean="0">
+                <a:solidFill>
+                  <a:srgbClr val="595959"/>
+                </a:solidFill>
+                <a:latin typeface="Arial"/>
+                <a:cs typeface="Arial"/>
+              </a:rPr>
+              <a:t>iệc</a:t>
+            </a:r>
+            <a:r>
+              <a:rPr lang="en-US" dirty="0" smtClean="0">
+                <a:solidFill>
+                  <a:srgbClr val="595959"/>
+                </a:solidFill>
+                <a:latin typeface="Arial"/>
+                <a:cs typeface="Arial"/>
+              </a:rPr>
+              <a:t> </a:t>
+            </a:r>
+            <a:r>
+              <a:rPr lang="en-US" dirty="0" err="1" smtClean="0">
+                <a:solidFill>
+                  <a:srgbClr val="595959"/>
+                </a:solidFill>
+                <a:latin typeface="Arial"/>
+                <a:cs typeface="Arial"/>
+              </a:rPr>
+              <a:t>xuất</a:t>
+            </a:r>
+            <a:r>
+              <a:rPr lang="en-US" dirty="0" smtClean="0">
+                <a:solidFill>
+                  <a:srgbClr val="595959"/>
+                </a:solidFill>
+                <a:latin typeface="Arial"/>
+                <a:cs typeface="Arial"/>
+              </a:rPr>
+              <a:t> </a:t>
+            </a:r>
+            <a:r>
+              <a:rPr lang="en-US" dirty="0" err="1" smtClean="0">
+                <a:solidFill>
+                  <a:srgbClr val="595959"/>
+                </a:solidFill>
+                <a:latin typeface="Arial"/>
+                <a:cs typeface="Arial"/>
+              </a:rPr>
+              <a:t>datafeed</a:t>
+            </a:r>
+            <a:r>
+              <a:rPr lang="en-US" dirty="0" smtClean="0">
+                <a:solidFill>
+                  <a:srgbClr val="595959"/>
+                </a:solidFill>
+                <a:latin typeface="Arial"/>
+                <a:cs typeface="Arial"/>
+              </a:rPr>
+              <a:t> </a:t>
+            </a:r>
+            <a:r>
+              <a:rPr lang="en-US" dirty="0" err="1" smtClean="0">
+                <a:solidFill>
+                  <a:srgbClr val="595959"/>
+                </a:solidFill>
+                <a:latin typeface="Arial"/>
+                <a:cs typeface="Arial"/>
+              </a:rPr>
+              <a:t>cũng</a:t>
+            </a:r>
+            <a:r>
+              <a:rPr lang="en-US" dirty="0" smtClean="0">
+                <a:solidFill>
+                  <a:srgbClr val="595959"/>
+                </a:solidFill>
+                <a:latin typeface="Arial"/>
+                <a:cs typeface="Arial"/>
+              </a:rPr>
+              <a:t> </a:t>
+            </a:r>
+            <a:r>
+              <a:rPr lang="en-US" dirty="0" err="1" smtClean="0">
+                <a:solidFill>
+                  <a:srgbClr val="595959"/>
+                </a:solidFill>
+                <a:latin typeface="Arial"/>
+                <a:cs typeface="Arial"/>
+              </a:rPr>
+              <a:t>được</a:t>
+            </a:r>
+            <a:r>
+              <a:rPr lang="en-US" dirty="0" smtClean="0">
+                <a:solidFill>
+                  <a:srgbClr val="595959"/>
+                </a:solidFill>
+                <a:latin typeface="Arial"/>
+                <a:cs typeface="Arial"/>
+              </a:rPr>
+              <a:t> </a:t>
+            </a:r>
+            <a:r>
+              <a:rPr lang="en-US" dirty="0" err="1" smtClean="0">
+                <a:solidFill>
+                  <a:srgbClr val="595959"/>
+                </a:solidFill>
+                <a:latin typeface="Arial"/>
+                <a:cs typeface="Arial"/>
+              </a:rPr>
+              <a:t>triển</a:t>
+            </a:r>
+            <a:r>
+              <a:rPr lang="en-US" dirty="0" smtClean="0">
+                <a:solidFill>
+                  <a:srgbClr val="595959"/>
+                </a:solidFill>
+                <a:latin typeface="Arial"/>
+                <a:cs typeface="Arial"/>
+              </a:rPr>
+              <a:t> </a:t>
+            </a:r>
+            <a:r>
+              <a:rPr lang="en-US" dirty="0" err="1" smtClean="0">
+                <a:solidFill>
+                  <a:srgbClr val="595959"/>
+                </a:solidFill>
+                <a:latin typeface="Arial"/>
+                <a:cs typeface="Arial"/>
+              </a:rPr>
+              <a:t>khai</a:t>
+            </a:r>
+            <a:r>
+              <a:rPr lang="en-US" dirty="0" smtClean="0">
+                <a:solidFill>
+                  <a:srgbClr val="595959"/>
+                </a:solidFill>
+                <a:latin typeface="Arial"/>
+                <a:cs typeface="Arial"/>
+              </a:rPr>
+              <a:t> </a:t>
+            </a:r>
+            <a:r>
+              <a:rPr lang="en-US" dirty="0" err="1" smtClean="0">
+                <a:solidFill>
+                  <a:srgbClr val="595959"/>
+                </a:solidFill>
+                <a:latin typeface="Arial"/>
+                <a:cs typeface="Arial"/>
+              </a:rPr>
+              <a:t>nhanh</a:t>
+            </a:r>
+            <a:r>
+              <a:rPr lang="en-US" dirty="0" smtClean="0">
+                <a:solidFill>
+                  <a:srgbClr val="595959"/>
+                </a:solidFill>
+                <a:latin typeface="Arial"/>
+                <a:cs typeface="Arial"/>
+              </a:rPr>
+              <a:t> </a:t>
+            </a:r>
+            <a:r>
+              <a:rPr lang="en-US" dirty="0" err="1" smtClean="0">
+                <a:solidFill>
+                  <a:srgbClr val="595959"/>
+                </a:solidFill>
+                <a:latin typeface="Arial"/>
+                <a:cs typeface="Arial"/>
+              </a:rPr>
+              <a:t>chóng</a:t>
+            </a:r>
+            <a:r>
+              <a:rPr lang="en-US" dirty="0" smtClean="0">
+                <a:solidFill>
+                  <a:srgbClr val="595959"/>
+                </a:solidFill>
+                <a:latin typeface="Arial"/>
+                <a:cs typeface="Arial"/>
+              </a:rPr>
+              <a:t> </a:t>
+            </a:r>
+            <a:r>
+              <a:rPr lang="en-US" dirty="0" err="1" smtClean="0">
+                <a:solidFill>
+                  <a:srgbClr val="595959"/>
+                </a:solidFill>
+                <a:latin typeface="Arial"/>
+                <a:cs typeface="Arial"/>
+              </a:rPr>
+              <a:t>và</a:t>
+            </a:r>
+            <a:r>
+              <a:rPr lang="en-US" dirty="0" smtClean="0">
+                <a:solidFill>
+                  <a:srgbClr val="595959"/>
+                </a:solidFill>
+                <a:latin typeface="Arial"/>
+                <a:cs typeface="Arial"/>
+              </a:rPr>
+              <a:t> </a:t>
+            </a:r>
+            <a:r>
+              <a:rPr lang="en-US" dirty="0" err="1" smtClean="0">
+                <a:solidFill>
+                  <a:srgbClr val="595959"/>
+                </a:solidFill>
+                <a:latin typeface="Arial"/>
+                <a:cs typeface="Arial"/>
+              </a:rPr>
+              <a:t>dễ</a:t>
+            </a:r>
+            <a:r>
+              <a:rPr lang="en-US" dirty="0" smtClean="0">
+                <a:solidFill>
+                  <a:srgbClr val="595959"/>
+                </a:solidFill>
+                <a:latin typeface="Arial"/>
+                <a:cs typeface="Arial"/>
+              </a:rPr>
+              <a:t> </a:t>
+            </a:r>
+            <a:r>
+              <a:rPr lang="en-US" dirty="0" err="1" smtClean="0">
+                <a:solidFill>
+                  <a:srgbClr val="595959"/>
+                </a:solidFill>
+                <a:latin typeface="Arial"/>
+                <a:cs typeface="Arial"/>
+              </a:rPr>
+              <a:t>dàng</a:t>
+            </a:r>
+            <a:r>
+              <a:rPr lang="en-US" dirty="0" smtClean="0">
+                <a:solidFill>
+                  <a:srgbClr val="595959"/>
+                </a:solidFill>
+                <a:latin typeface="Arial"/>
+                <a:cs typeface="Arial"/>
+              </a:rPr>
+              <a:t>.</a:t>
+            </a:r>
+            <a:endParaRPr lang="en-US" dirty="0" smtClean="0">
+              <a:solidFill>
+                <a:srgbClr val="595959"/>
+              </a:solidFill>
+              <a:latin typeface="Arial"/>
+              <a:cs typeface="Arial"/>
+            </a:endParaRPr>
+          </a:p>
+        </p:txBody>
+      </p:sp>
+    </p:spTree>
+    <p:extLst>
+      <p:ext uri="{BB962C8B-B14F-4D97-AF65-F5344CB8AC3E}">
+        <p14:creationId xmlns:p14="http://schemas.microsoft.com/office/powerpoint/2010/main" val="1904733972"/>
+      </p:ext>
+    </p:extLst>
+  </p:cSld>
+  <p:clrMapOvr>
+    <a:masterClrMapping/>
+  </p:clrMapOvr>
+  <p:timing>
+    <p:tnLst>
+      <p:par>
+        <p:cTn xmlns:p14="http://schemas.microsoft.com/office/powerpoint/2010/main" id="1" dur="indefinite" restart="never" nodeType="tmRoot"/>
+      </p:par>
+    </p:tnLst>
+  </p:timing>
+</p:sld>
+</file>
+
 <file path=ppt/slides/slide2.xml><?xml version="1.0" encoding="utf-8"?>
 <p:sld xmlns:a="http://schemas.openxmlformats.org/drawingml/2006/main" xmlns:r="http://schemas.openxmlformats.org/officeDocument/2006/relationships" xmlns:p="http://schemas.openxmlformats.org/presentationml/2006/main">
   <p:cSld>
@@ -5893,7 +7114,23 @@
                 <a:cs typeface="Arial"/>
                 <a:hlinkClick r:id="rId2"/>
               </a:rPr>
-              <a:t>http://example.com/wss-datafeed.php</a:t>
+              <a:t>http:/</a:t>
+            </a:r>
+            <a:r>
+              <a:rPr lang="en-US" dirty="0" smtClean="0">
+                <a:latin typeface="Arial"/>
+                <a:cs typeface="Arial"/>
+                <a:hlinkClick r:id="rId2"/>
+              </a:rPr>
+              <a:t>/your-site.com/</a:t>
+            </a:r>
+            <a:r>
+              <a:rPr lang="en-US" dirty="0" smtClean="0">
+                <a:latin typeface="Arial"/>
+                <a:cs typeface="Arial"/>
+                <a:hlinkClick r:id="rId2"/>
+              </a:rPr>
+              <a:t>wss-datafeed.php</a:t>
             </a:r>
             <a:endParaRPr lang="en-US" dirty="0" smtClean="0">
               <a:latin typeface="Arial"/>
@@ -9264,27 +10501,7 @@
                 <a:latin typeface="Arial"/>
                 <a:cs typeface="Arial"/>
               </a:rPr>
-              <a:t>: 0-</a:t>
-            </a:r>
-            <a:r>
-              <a:rPr lang="en-US" dirty="0" smtClean="0">
-                <a:solidFill>
-                  <a:srgbClr val="595959"/>
-                </a:solidFill>
-                <a:latin typeface="Arial"/>
-                <a:cs typeface="Arial"/>
-              </a:rPr>
-              <a:t>hết hàng|</a:t>
-            </a:r>
-            <a:r>
-              <a:rPr lang="en-US" dirty="0" smtClean="0">
-                <a:solidFill>
-                  <a:srgbClr val="595959"/>
-                </a:solidFill>
-                <a:latin typeface="Arial"/>
-                <a:cs typeface="Arial"/>
-              </a:rPr>
-              <a:t>1</a:t>
+              <a:t>: 0-hết hàng|1</a:t>
             </a:r>
             <a:r>
               <a:rPr lang="en-US" dirty="0">
@@ -9324,17 +10541,7 @@
                 <a:latin typeface="Arial"/>
                 <a:cs typeface="Arial"/>
               </a:rPr>
-              <a:t>2</a:t>
-            </a:r>
-            <a:r>
-              <a:rPr lang="en-US" dirty="0" smtClean="0">
-                <a:solidFill>
-                  <a:srgbClr val="595959"/>
-                </a:solidFill>
-                <a:latin typeface="Arial"/>
-                <a:cs typeface="Arial"/>
-              </a:rPr>
-              <a:t>-liên </a:t>
+              <a:t>2-liên </a:t>
             </a:r>
             <a:r>
               <a:rPr lang="en-US" dirty="0" err="1" smtClean="0">
@@ -9356,13 +10563,6 @@
               </a:rPr>
               <a:t>)</a:t>
             </a:r>
-            <a:endParaRPr lang="en-US" dirty="0" smtClean="0">
-              <a:solidFill>
-                <a:srgbClr val="595959"/>
-              </a:solidFill>
-              <a:latin typeface="Arial"/>
-              <a:cs typeface="Arial"/>
-            </a:endParaRPr>
           </a:p>
           <a:p>
             <a:pPr lvl="1"/>
@@ -14748,12 +15948,32 @@
           <a:lstStyle/>
           <a:p>
             <a:r>
+              <a:rPr lang="en-US" sz="4800" dirty="0" err="1" smtClean="0"/>
+              <a:t>Hướng</a:t>
+            </a:r>
+            <a:r>
               <a:rPr lang="en-US" sz="4800" dirty="0" smtClean="0"/>
-              <a:t>Source code </a:t>
+              <a:t> </a:t>
             </a:r>
             <a:r>
               <a:rPr lang="en-US" sz="4800" dirty="0" err="1" smtClean="0"/>
-              <a:t>mẫu</a:t>
+              <a:t>dẫn</a:t>
+            </a:r>
+            <a:r>
+              <a:rPr lang="en-US" sz="4800" dirty="0" smtClean="0"/>
+              <a:t> </a:t>
+            </a:r>
+            <a:r>
+              <a:rPr lang="en-US" sz="4800" dirty="0" err="1" smtClean="0"/>
+              <a:t>kỹ</a:t>
+            </a:r>
+            <a:r>
+              <a:rPr lang="en-US" sz="4800" dirty="0" smtClean="0"/>
+              <a:t> </a:t>
+            </a:r>
+            <a:r>
+              <a:rPr lang="en-US" sz="4800" dirty="0" err="1" smtClean="0"/>
+              <a:t>thuật</a:t>
             </a:r>
             <a:endParaRPr lang="en-US" sz="4800" dirty="0"/>
           </a:p>
@@ -14771,98 +15991,170 @@
         </p:nvSpPr>
         <p:spPr/>
         <p:txBody>
-          <a:bodyPr/>
+          <a:bodyPr>
+            <a:normAutofit lnSpcReduction="10000"/>
+          </a:bodyPr>
           <a:lstStyle/>
           <a:p>
             <a:r>
-              <a:rPr lang="en-US" dirty="0" smtClean="0">
-                <a:solidFill>
-                  <a:srgbClr val="595959"/>
-                </a:solidFill>
-                <a:latin typeface="Arial"/>
-                <a:cs typeface="Arial"/>
-              </a:rPr>
-              <a:t>Link down source code </a:t>
-            </a:r>
-            <a:r>
-              <a:rPr lang="en-US" dirty="0" err="1" smtClean="0">
-                <a:solidFill>
-                  <a:srgbClr val="595959"/>
-                </a:solidFill>
-                <a:latin typeface="Arial"/>
-                <a:cs typeface="Arial"/>
-              </a:rPr>
-              <a:t>mẫu</a:t>
-            </a:r>
-            <a:r>
-              <a:rPr lang="en-US" dirty="0" smtClean="0">
-                <a:solidFill>
-                  <a:srgbClr val="595959"/>
-                </a:solidFill>
-                <a:latin typeface="Arial"/>
-                <a:cs typeface="Arial"/>
-              </a:rPr>
-              <a:t> </a:t>
-            </a:r>
-            <a:r>
-              <a:rPr lang="en-US" dirty="0" err="1" smtClean="0">
-                <a:solidFill>
-                  <a:srgbClr val="595959"/>
-                </a:solidFill>
-                <a:latin typeface="Arial"/>
-                <a:cs typeface="Arial"/>
-              </a:rPr>
-              <a:t>và</a:t>
-            </a:r>
-            <a:r>
-              <a:rPr lang="en-US" dirty="0" smtClean="0">
-                <a:solidFill>
-                  <a:srgbClr val="595959"/>
-                </a:solidFill>
-                <a:latin typeface="Arial"/>
-                <a:cs typeface="Arial"/>
-              </a:rPr>
-              <a:t> </a:t>
-            </a:r>
-            <a:r>
-              <a:rPr lang="en-US" dirty="0" err="1" smtClean="0">
-                <a:solidFill>
-                  <a:srgbClr val="595959"/>
-                </a:solidFill>
-                <a:latin typeface="Arial"/>
-                <a:cs typeface="Arial"/>
-              </a:rPr>
-              <a:t>thư</a:t>
-            </a:r>
-            <a:r>
-              <a:rPr lang="en-US" dirty="0" smtClean="0">
-                <a:solidFill>
-                  <a:srgbClr val="595959"/>
-                </a:solidFill>
-                <a:latin typeface="Arial"/>
-                <a:cs typeface="Arial"/>
-              </a:rPr>
-              <a:t> </a:t>
-            </a:r>
-            <a:r>
-              <a:rPr lang="en-US" dirty="0" err="1" smtClean="0">
-                <a:solidFill>
-                  <a:srgbClr val="595959"/>
-                </a:solidFill>
-                <a:latin typeface="Arial"/>
-                <a:cs typeface="Arial"/>
-              </a:rPr>
-              <a:t>viện</a:t>
-            </a:r>
-            <a:r>
-              <a:rPr lang="en-US" dirty="0" smtClean="0">
-                <a:solidFill>
-                  <a:srgbClr val="595959"/>
-                </a:solidFill>
-                <a:latin typeface="Arial"/>
-                <a:cs typeface="Arial"/>
-              </a:rPr>
-              <a:t>:</a:t>
+              <a:rPr lang="en-US" dirty="0" err="1" smtClean="0">
+                <a:solidFill>
+                  <a:srgbClr val="595959"/>
+                </a:solidFill>
+                <a:latin typeface="Arial"/>
+                <a:cs typeface="Arial"/>
+              </a:rPr>
+              <a:t>Phân</a:t>
+            </a:r>
+            <a:r>
+              <a:rPr lang="en-US" dirty="0" smtClean="0">
+                <a:solidFill>
+                  <a:srgbClr val="595959"/>
+                </a:solidFill>
+                <a:latin typeface="Arial"/>
+                <a:cs typeface="Arial"/>
+              </a:rPr>
+              <a:t> </a:t>
+            </a:r>
+            <a:r>
+              <a:rPr lang="en-US" dirty="0" err="1" smtClean="0">
+                <a:solidFill>
+                  <a:srgbClr val="595959"/>
+                </a:solidFill>
+                <a:latin typeface="Arial"/>
+                <a:cs typeface="Arial"/>
+              </a:rPr>
+              <a:t>trang</a:t>
+            </a:r>
+            <a:r>
+              <a:rPr lang="en-US" dirty="0" smtClean="0">
+                <a:solidFill>
+                  <a:srgbClr val="595959"/>
+                </a:solidFill>
+                <a:latin typeface="Arial"/>
+                <a:cs typeface="Arial"/>
+              </a:rPr>
+              <a:t> </a:t>
+            </a:r>
+            <a:r>
+              <a:rPr lang="en-US" dirty="0" err="1" smtClean="0">
+                <a:solidFill>
+                  <a:srgbClr val="595959"/>
+                </a:solidFill>
+                <a:latin typeface="Arial"/>
+                <a:cs typeface="Arial"/>
+              </a:rPr>
+              <a:t>để</a:t>
+            </a:r>
+            <a:r>
+              <a:rPr lang="en-US" dirty="0" smtClean="0">
+                <a:solidFill>
+                  <a:srgbClr val="595959"/>
+                </a:solidFill>
+                <a:latin typeface="Arial"/>
+                <a:cs typeface="Arial"/>
+              </a:rPr>
+              <a:t> </a:t>
+            </a:r>
+            <a:r>
+              <a:rPr lang="en-US" dirty="0" err="1" smtClean="0">
+                <a:solidFill>
+                  <a:srgbClr val="595959"/>
+                </a:solidFill>
+                <a:latin typeface="Arial"/>
+                <a:cs typeface="Arial"/>
+              </a:rPr>
+              <a:t>giảm</a:t>
+            </a:r>
+            <a:r>
+              <a:rPr lang="en-US" dirty="0" smtClean="0">
+                <a:solidFill>
+                  <a:srgbClr val="595959"/>
+                </a:solidFill>
+                <a:latin typeface="Arial"/>
+                <a:cs typeface="Arial"/>
+              </a:rPr>
+              <a:t> </a:t>
+            </a:r>
+            <a:r>
+              <a:rPr lang="en-US" dirty="0" err="1" smtClean="0">
+                <a:solidFill>
+                  <a:srgbClr val="595959"/>
+                </a:solidFill>
+                <a:latin typeface="Arial"/>
+                <a:cs typeface="Arial"/>
+              </a:rPr>
+              <a:t>tải</a:t>
+            </a:r>
+            <a:r>
+              <a:rPr lang="en-US" dirty="0" smtClean="0">
+                <a:solidFill>
+                  <a:srgbClr val="595959"/>
+                </a:solidFill>
+                <a:latin typeface="Arial"/>
+                <a:cs typeface="Arial"/>
+              </a:rPr>
+              <a:t> (</a:t>
+            </a:r>
+            <a:r>
+              <a:rPr lang="en-US" dirty="0" err="1" smtClean="0">
+                <a:solidFill>
+                  <a:srgbClr val="595959"/>
+                </a:solidFill>
+                <a:latin typeface="Arial"/>
+                <a:cs typeface="Arial"/>
+              </a:rPr>
+              <a:t>nên</a:t>
+            </a:r>
+            <a:r>
+              <a:rPr lang="en-US" dirty="0" smtClean="0">
+                <a:solidFill>
+                  <a:srgbClr val="595959"/>
+                </a:solidFill>
+                <a:latin typeface="Arial"/>
+                <a:cs typeface="Arial"/>
+              </a:rPr>
+              <a:t> </a:t>
+            </a:r>
+            <a:r>
+              <a:rPr lang="en-US" dirty="0" err="1" smtClean="0">
+                <a:solidFill>
+                  <a:srgbClr val="595959"/>
+                </a:solidFill>
+                <a:latin typeface="Arial"/>
+                <a:cs typeface="Arial"/>
+              </a:rPr>
+              <a:t>sử</a:t>
+            </a:r>
+            <a:r>
+              <a:rPr lang="en-US" dirty="0" smtClean="0">
+                <a:solidFill>
+                  <a:srgbClr val="595959"/>
+                </a:solidFill>
+                <a:latin typeface="Arial"/>
+                <a:cs typeface="Arial"/>
+              </a:rPr>
+              <a:t> </a:t>
+            </a:r>
+            <a:r>
+              <a:rPr lang="en-US" dirty="0" err="1" smtClean="0">
+                <a:solidFill>
+                  <a:srgbClr val="595959"/>
+                </a:solidFill>
+                <a:latin typeface="Arial"/>
+                <a:cs typeface="Arial"/>
+              </a:rPr>
+              <a:t>dụng</a:t>
+            </a:r>
+            <a:r>
+              <a:rPr lang="en-US" dirty="0" smtClean="0">
+                <a:solidFill>
+                  <a:srgbClr val="595959"/>
+                </a:solidFill>
+                <a:latin typeface="Arial"/>
+                <a:cs typeface="Arial"/>
+              </a:rPr>
+              <a:t>)</a:t>
             </a:r>
           </a:p>
           <a:p>
@@ -14870,24 +16162,1299 @@
               <a:buNone/>
             </a:pPr>
             <a:r>
-              <a:rPr lang="en-US" dirty="0" smtClean="0">
-                <a:solidFill>
-                  <a:srgbClr val="595959"/>
-                </a:solidFill>
-                <a:latin typeface="Arial"/>
-                <a:cs typeface="Arial"/>
-              </a:rPr>
-              <a:t>https://</a:t>
-            </a:r>
-            <a:r>
-              <a:rPr lang="en-US" dirty="0" err="1" smtClean="0">
-                <a:solidFill>
-                  <a:srgbClr val="595959"/>
-                </a:solidFill>
-                <a:latin typeface="Arial"/>
-                <a:cs typeface="Arial"/>
-              </a:rPr>
-              <a:t>github.com</a:t>
+              <a:rPr lang="en-US" dirty="0" err="1" smtClean="0">
+                <a:solidFill>
+                  <a:srgbClr val="595959"/>
+                </a:solidFill>
+                <a:latin typeface="Arial"/>
+                <a:cs typeface="Arial"/>
+              </a:rPr>
+              <a:t>Trong</a:t>
+            </a:r>
+            <a:r>
+              <a:rPr lang="en-US" dirty="0" smtClean="0">
+                <a:solidFill>
+                  <a:srgbClr val="595959"/>
+                </a:solidFill>
+                <a:latin typeface="Arial"/>
+                <a:cs typeface="Arial"/>
+              </a:rPr>
+              <a:t> </a:t>
+            </a:r>
+            <a:r>
+              <a:rPr lang="en-US" dirty="0" err="1" smtClean="0">
+                <a:solidFill>
+                  <a:srgbClr val="595959"/>
+                </a:solidFill>
+                <a:latin typeface="Arial"/>
+                <a:cs typeface="Arial"/>
+              </a:rPr>
+              <a:t>trường</a:t>
+            </a:r>
+            <a:r>
+              <a:rPr lang="en-US" dirty="0" smtClean="0">
+                <a:solidFill>
+                  <a:srgbClr val="595959"/>
+                </a:solidFill>
+                <a:latin typeface="Arial"/>
+                <a:cs typeface="Arial"/>
+              </a:rPr>
+              <a:t> </a:t>
+            </a:r>
+            <a:r>
+              <a:rPr lang="en-US" dirty="0" err="1" smtClean="0">
+                <a:solidFill>
+                  <a:srgbClr val="595959"/>
+                </a:solidFill>
+                <a:latin typeface="Arial"/>
+                <a:cs typeface="Arial"/>
+              </a:rPr>
+              <a:t>hợp</a:t>
+            </a:r>
+            <a:r>
+              <a:rPr lang="en-US" dirty="0" smtClean="0">
+                <a:solidFill>
+                  <a:srgbClr val="595959"/>
+                </a:solidFill>
+                <a:latin typeface="Arial"/>
+                <a:cs typeface="Arial"/>
+              </a:rPr>
+              <a:t> website </a:t>
+            </a:r>
+            <a:r>
+              <a:rPr lang="en-US" dirty="0" err="1" smtClean="0">
+                <a:solidFill>
+                  <a:srgbClr val="595959"/>
+                </a:solidFill>
+                <a:latin typeface="Arial"/>
+                <a:cs typeface="Arial"/>
+              </a:rPr>
+              <a:t>của</a:t>
+            </a:r>
+            <a:r>
+              <a:rPr lang="en-US" dirty="0" smtClean="0">
+                <a:solidFill>
+                  <a:srgbClr val="595959"/>
+                </a:solidFill>
+                <a:latin typeface="Arial"/>
+                <a:cs typeface="Arial"/>
+              </a:rPr>
+              <a:t> </a:t>
+            </a:r>
+            <a:r>
+              <a:rPr lang="en-US" dirty="0" err="1" smtClean="0">
+                <a:solidFill>
+                  <a:srgbClr val="595959"/>
+                </a:solidFill>
+                <a:latin typeface="Arial"/>
+                <a:cs typeface="Arial"/>
+              </a:rPr>
+              <a:t>khách</a:t>
+            </a:r>
+            <a:r>
+              <a:rPr lang="en-US" dirty="0" smtClean="0">
+                <a:solidFill>
+                  <a:srgbClr val="595959"/>
+                </a:solidFill>
+                <a:latin typeface="Arial"/>
+                <a:cs typeface="Arial"/>
+              </a:rPr>
+              <a:t> </a:t>
+            </a:r>
+            <a:r>
+              <a:rPr lang="en-US" dirty="0" err="1" smtClean="0">
+                <a:solidFill>
+                  <a:srgbClr val="595959"/>
+                </a:solidFill>
+                <a:latin typeface="Arial"/>
+                <a:cs typeface="Arial"/>
+              </a:rPr>
+              <a:t>hàng</a:t>
+            </a:r>
+            <a:r>
+              <a:rPr lang="en-US" dirty="0" smtClean="0">
+                <a:solidFill>
+                  <a:srgbClr val="595959"/>
+                </a:solidFill>
+                <a:latin typeface="Arial"/>
+                <a:cs typeface="Arial"/>
+              </a:rPr>
+              <a:t> </a:t>
+            </a:r>
+            <a:r>
+              <a:rPr lang="en-US" dirty="0" err="1" smtClean="0">
+                <a:solidFill>
+                  <a:srgbClr val="595959"/>
+                </a:solidFill>
+                <a:latin typeface="Arial"/>
+                <a:cs typeface="Arial"/>
+              </a:rPr>
+              <a:t>có</a:t>
+            </a:r>
+            <a:r>
+              <a:rPr lang="en-US" dirty="0" smtClean="0">
+                <a:solidFill>
+                  <a:srgbClr val="595959"/>
+                </a:solidFill>
+                <a:latin typeface="Arial"/>
+                <a:cs typeface="Arial"/>
+              </a:rPr>
+              <a:t> </a:t>
+            </a:r>
+            <a:r>
+              <a:rPr lang="en-US" dirty="0" err="1" smtClean="0">
+                <a:solidFill>
+                  <a:srgbClr val="595959"/>
+                </a:solidFill>
+                <a:latin typeface="Arial"/>
+                <a:cs typeface="Arial"/>
+              </a:rPr>
+              <a:t>quá</a:t>
+            </a:r>
+            <a:r>
+              <a:rPr lang="en-US" dirty="0" smtClean="0">
+                <a:solidFill>
+                  <a:srgbClr val="595959"/>
+                </a:solidFill>
+                <a:latin typeface="Arial"/>
+                <a:cs typeface="Arial"/>
+              </a:rPr>
+              <a:t> </a:t>
+            </a:r>
+            <a:r>
+              <a:rPr lang="en-US" dirty="0" err="1" smtClean="0">
+                <a:solidFill>
+                  <a:srgbClr val="595959"/>
+                </a:solidFill>
+                <a:latin typeface="Arial"/>
+                <a:cs typeface="Arial"/>
+              </a:rPr>
+              <a:t>nhiều</a:t>
+            </a:r>
+            <a:r>
+              <a:rPr lang="en-US" dirty="0" smtClean="0">
+                <a:solidFill>
+                  <a:srgbClr val="595959"/>
+                </a:solidFill>
+                <a:latin typeface="Arial"/>
+                <a:cs typeface="Arial"/>
+              </a:rPr>
+              <a:t> </a:t>
+            </a:r>
+            <a:r>
+              <a:rPr lang="en-US" dirty="0" err="1" smtClean="0">
+                <a:solidFill>
+                  <a:srgbClr val="595959"/>
+                </a:solidFill>
+                <a:latin typeface="Arial"/>
+                <a:cs typeface="Arial"/>
+              </a:rPr>
+              <a:t>sản</a:t>
+            </a:r>
+            <a:r>
+              <a:rPr lang="en-US" dirty="0" smtClean="0">
+                <a:solidFill>
+                  <a:srgbClr val="595959"/>
+                </a:solidFill>
+                <a:latin typeface="Arial"/>
+                <a:cs typeface="Arial"/>
+              </a:rPr>
+              <a:t> </a:t>
+            </a:r>
+            <a:r>
+              <a:rPr lang="en-US" dirty="0" err="1" smtClean="0">
+                <a:solidFill>
+                  <a:srgbClr val="595959"/>
+                </a:solidFill>
+                <a:latin typeface="Arial"/>
+                <a:cs typeface="Arial"/>
+              </a:rPr>
+              <a:t>phẩm</a:t>
+            </a:r>
+            <a:r>
+              <a:rPr lang="en-US" dirty="0" smtClean="0">
+                <a:solidFill>
+                  <a:srgbClr val="595959"/>
+                </a:solidFill>
+                <a:latin typeface="Arial"/>
+                <a:cs typeface="Arial"/>
+              </a:rPr>
+              <a:t> </a:t>
+            </a:r>
+            <a:r>
+              <a:rPr lang="en-US" dirty="0" err="1" smtClean="0">
+                <a:solidFill>
+                  <a:srgbClr val="595959"/>
+                </a:solidFill>
+                <a:latin typeface="Arial"/>
+                <a:cs typeface="Arial"/>
+              </a:rPr>
+              <a:t>hoặc</a:t>
+            </a:r>
+            <a:r>
+              <a:rPr lang="en-US" dirty="0" smtClean="0">
+                <a:solidFill>
+                  <a:srgbClr val="595959"/>
+                </a:solidFill>
+                <a:latin typeface="Arial"/>
+                <a:cs typeface="Arial"/>
+              </a:rPr>
+              <a:t> </a:t>
+            </a:r>
+            <a:r>
+              <a:rPr lang="en-US" dirty="0" err="1" smtClean="0">
+                <a:solidFill>
+                  <a:srgbClr val="595959"/>
+                </a:solidFill>
+                <a:latin typeface="Arial"/>
+                <a:cs typeface="Arial"/>
+              </a:rPr>
+              <a:t>hệ</a:t>
+            </a:r>
+            <a:r>
+              <a:rPr lang="en-US" dirty="0" smtClean="0">
+                <a:solidFill>
+                  <a:srgbClr val="595959"/>
+                </a:solidFill>
+                <a:latin typeface="Arial"/>
+                <a:cs typeface="Arial"/>
+              </a:rPr>
+              <a:t> </a:t>
+            </a:r>
+            <a:r>
+              <a:rPr lang="en-US" dirty="0" err="1" smtClean="0">
+                <a:solidFill>
+                  <a:srgbClr val="595959"/>
+                </a:solidFill>
+                <a:latin typeface="Arial"/>
+                <a:cs typeface="Arial"/>
+              </a:rPr>
+              <a:t>thống</a:t>
+            </a:r>
+            <a:r>
+              <a:rPr lang="en-US" dirty="0" smtClean="0">
+                <a:solidFill>
+                  <a:srgbClr val="595959"/>
+                </a:solidFill>
+                <a:latin typeface="Arial"/>
+                <a:cs typeface="Arial"/>
+              </a:rPr>
+              <a:t> </a:t>
+            </a:r>
+            <a:r>
+              <a:rPr lang="en-US" dirty="0" err="1" smtClean="0">
+                <a:solidFill>
+                  <a:srgbClr val="595959"/>
+                </a:solidFill>
+                <a:latin typeface="Arial"/>
+                <a:cs typeface="Arial"/>
+              </a:rPr>
+              <a:t>của</a:t>
+            </a:r>
+            <a:r>
+              <a:rPr lang="en-US" dirty="0" smtClean="0">
+                <a:solidFill>
+                  <a:srgbClr val="595959"/>
+                </a:solidFill>
+                <a:latin typeface="Arial"/>
+                <a:cs typeface="Arial"/>
+              </a:rPr>
+              <a:t> </a:t>
+            </a:r>
+            <a:r>
+              <a:rPr lang="en-US" dirty="0" err="1" smtClean="0">
+                <a:solidFill>
+                  <a:srgbClr val="595959"/>
+                </a:solidFill>
+                <a:latin typeface="Arial"/>
+                <a:cs typeface="Arial"/>
+              </a:rPr>
+              <a:t>khách</a:t>
+            </a:r>
+            <a:r>
+              <a:rPr lang="en-US" dirty="0" smtClean="0">
+                <a:solidFill>
+                  <a:srgbClr val="595959"/>
+                </a:solidFill>
+                <a:latin typeface="Arial"/>
+                <a:cs typeface="Arial"/>
+              </a:rPr>
+              <a:t> </a:t>
+            </a:r>
+            <a:r>
+              <a:rPr lang="en-US" dirty="0" err="1" smtClean="0">
+                <a:solidFill>
+                  <a:srgbClr val="595959"/>
+                </a:solidFill>
+                <a:latin typeface="Arial"/>
+                <a:cs typeface="Arial"/>
+              </a:rPr>
+              <a:t>hàng</a:t>
+            </a:r>
+            <a:r>
+              <a:rPr lang="en-US" dirty="0" smtClean="0">
+                <a:solidFill>
+                  <a:srgbClr val="595959"/>
+                </a:solidFill>
+                <a:latin typeface="Arial"/>
+                <a:cs typeface="Arial"/>
+              </a:rPr>
+              <a:t> </a:t>
+            </a:r>
+            <a:r>
+              <a:rPr lang="en-US" dirty="0" err="1" smtClean="0">
+                <a:solidFill>
+                  <a:srgbClr val="595959"/>
+                </a:solidFill>
+                <a:latin typeface="Arial"/>
+                <a:cs typeface="Arial"/>
+              </a:rPr>
+              <a:t>không</a:t>
+            </a:r>
+            <a:r>
+              <a:rPr lang="en-US" dirty="0" smtClean="0">
+                <a:solidFill>
+                  <a:srgbClr val="595959"/>
+                </a:solidFill>
+                <a:latin typeface="Arial"/>
+                <a:cs typeface="Arial"/>
+              </a:rPr>
+              <a:t> </a:t>
+            </a:r>
+            <a:r>
+              <a:rPr lang="en-US" dirty="0" err="1" smtClean="0">
+                <a:solidFill>
+                  <a:srgbClr val="595959"/>
+                </a:solidFill>
+                <a:latin typeface="Arial"/>
+                <a:cs typeface="Arial"/>
+              </a:rPr>
+              <a:t>đủ</a:t>
+            </a:r>
+            <a:r>
+              <a:rPr lang="en-US" dirty="0" smtClean="0">
+                <a:solidFill>
+                  <a:srgbClr val="595959"/>
+                </a:solidFill>
+                <a:latin typeface="Arial"/>
+                <a:cs typeface="Arial"/>
+              </a:rPr>
+              <a:t> </a:t>
+            </a:r>
+            <a:r>
+              <a:rPr lang="en-US" dirty="0" err="1" smtClean="0">
+                <a:solidFill>
+                  <a:srgbClr val="595959"/>
+                </a:solidFill>
+                <a:latin typeface="Arial"/>
+                <a:cs typeface="Arial"/>
+              </a:rPr>
+              <a:t>đáp</a:t>
+            </a:r>
+            <a:r>
+              <a:rPr lang="en-US" dirty="0" smtClean="0">
+                <a:solidFill>
+                  <a:srgbClr val="595959"/>
+                </a:solidFill>
+                <a:latin typeface="Arial"/>
+                <a:cs typeface="Arial"/>
+              </a:rPr>
+              <a:t> </a:t>
+            </a:r>
+            <a:r>
+              <a:rPr lang="en-US" dirty="0" err="1" smtClean="0">
+                <a:solidFill>
+                  <a:srgbClr val="595959"/>
+                </a:solidFill>
+                <a:latin typeface="Arial"/>
+                <a:cs typeface="Arial"/>
+              </a:rPr>
+              <a:t>ứng</a:t>
+            </a:r>
+            <a:r>
+              <a:rPr lang="en-US" dirty="0" smtClean="0">
+                <a:solidFill>
+                  <a:srgbClr val="595959"/>
+                </a:solidFill>
+                <a:latin typeface="Arial"/>
+                <a:cs typeface="Arial"/>
+              </a:rPr>
+              <a:t> </a:t>
+            </a:r>
+            <a:r>
+              <a:rPr lang="en-US" dirty="0" err="1" smtClean="0">
+                <a:solidFill>
+                  <a:srgbClr val="595959"/>
+                </a:solidFill>
+                <a:latin typeface="Arial"/>
+                <a:cs typeface="Arial"/>
+              </a:rPr>
+              <a:t>được</a:t>
+            </a:r>
+            <a:r>
+              <a:rPr lang="en-US" dirty="0" smtClean="0">
+                <a:solidFill>
+                  <a:srgbClr val="595959"/>
+                </a:solidFill>
+                <a:latin typeface="Arial"/>
+                <a:cs typeface="Arial"/>
+              </a:rPr>
+              <a:t> </a:t>
+            </a:r>
+            <a:r>
+              <a:rPr lang="en-US" dirty="0" err="1" smtClean="0">
+                <a:solidFill>
+                  <a:srgbClr val="595959"/>
+                </a:solidFill>
+                <a:latin typeface="Arial"/>
+                <a:cs typeface="Arial"/>
+              </a:rPr>
+              <a:t>việc</a:t>
+            </a:r>
+            <a:r>
+              <a:rPr lang="en-US" dirty="0" smtClean="0">
+                <a:solidFill>
+                  <a:srgbClr val="595959"/>
+                </a:solidFill>
+                <a:latin typeface="Arial"/>
+                <a:cs typeface="Arial"/>
+              </a:rPr>
+              <a:t> </a:t>
+            </a:r>
+            <a:r>
+              <a:rPr lang="en-US" dirty="0" err="1" smtClean="0">
+                <a:solidFill>
+                  <a:srgbClr val="595959"/>
+                </a:solidFill>
+                <a:latin typeface="Arial"/>
+                <a:cs typeface="Arial"/>
+              </a:rPr>
+              <a:t>truy</a:t>
+            </a:r>
+            <a:r>
+              <a:rPr lang="en-US" dirty="0" smtClean="0">
+                <a:solidFill>
+                  <a:srgbClr val="595959"/>
+                </a:solidFill>
+                <a:latin typeface="Arial"/>
+                <a:cs typeface="Arial"/>
+              </a:rPr>
+              <a:t> </a:t>
+            </a:r>
+            <a:r>
+              <a:rPr lang="en-US" dirty="0" err="1" smtClean="0">
+                <a:solidFill>
+                  <a:srgbClr val="595959"/>
+                </a:solidFill>
+                <a:latin typeface="Arial"/>
+                <a:cs typeface="Arial"/>
+              </a:rPr>
+              <a:t>xuất</a:t>
+            </a:r>
+            <a:r>
+              <a:rPr lang="en-US" dirty="0" smtClean="0">
+                <a:solidFill>
+                  <a:srgbClr val="595959"/>
+                </a:solidFill>
+                <a:latin typeface="Arial"/>
+                <a:cs typeface="Arial"/>
+              </a:rPr>
+              <a:t> </a:t>
+            </a:r>
+            <a:r>
+              <a:rPr lang="en-US" dirty="0" err="1" smtClean="0">
+                <a:solidFill>
+                  <a:srgbClr val="595959"/>
+                </a:solidFill>
+                <a:latin typeface="Arial"/>
+                <a:cs typeface="Arial"/>
+              </a:rPr>
+              <a:t>cùng</a:t>
+            </a:r>
+            <a:r>
+              <a:rPr lang="en-US" dirty="0" smtClean="0">
+                <a:solidFill>
+                  <a:srgbClr val="595959"/>
+                </a:solidFill>
+                <a:latin typeface="Arial"/>
+                <a:cs typeface="Arial"/>
+              </a:rPr>
+              <a:t> </a:t>
+            </a:r>
+            <a:r>
+              <a:rPr lang="en-US" dirty="0" err="1" smtClean="0">
+                <a:solidFill>
+                  <a:srgbClr val="595959"/>
+                </a:solidFill>
+                <a:latin typeface="Arial"/>
+                <a:cs typeface="Arial"/>
+              </a:rPr>
+              <a:t>một</a:t>
+            </a:r>
+            <a:r>
+              <a:rPr lang="en-US" dirty="0" smtClean="0">
+                <a:solidFill>
+                  <a:srgbClr val="595959"/>
+                </a:solidFill>
+                <a:latin typeface="Arial"/>
+                <a:cs typeface="Arial"/>
+              </a:rPr>
+              <a:t> </a:t>
+            </a:r>
+            <a:r>
+              <a:rPr lang="en-US" dirty="0" err="1" smtClean="0">
+                <a:solidFill>
+                  <a:srgbClr val="595959"/>
+                </a:solidFill>
+                <a:latin typeface="Arial"/>
+                <a:cs typeface="Arial"/>
+              </a:rPr>
+              <a:t>lúc</a:t>
+            </a:r>
+            <a:r>
+              <a:rPr lang="en-US" dirty="0" smtClean="0">
+                <a:solidFill>
+                  <a:srgbClr val="595959"/>
+                </a:solidFill>
+                <a:latin typeface="Arial"/>
+                <a:cs typeface="Arial"/>
+              </a:rPr>
+              <a:t> </a:t>
+            </a:r>
+            <a:r>
+              <a:rPr lang="en-US" dirty="0" err="1" smtClean="0">
+                <a:solidFill>
+                  <a:srgbClr val="595959"/>
+                </a:solidFill>
+                <a:latin typeface="Arial"/>
+                <a:cs typeface="Arial"/>
+              </a:rPr>
+              <a:t>nhiều</a:t>
+            </a:r>
+            <a:r>
+              <a:rPr lang="en-US" dirty="0" smtClean="0">
+                <a:solidFill>
+                  <a:srgbClr val="595959"/>
+                </a:solidFill>
+                <a:latin typeface="Arial"/>
+                <a:cs typeface="Arial"/>
+              </a:rPr>
+              <a:t> </a:t>
+            </a:r>
+            <a:r>
+              <a:rPr lang="en-US" dirty="0" err="1" smtClean="0">
+                <a:solidFill>
+                  <a:srgbClr val="595959"/>
+                </a:solidFill>
+                <a:latin typeface="Arial"/>
+                <a:cs typeface="Arial"/>
+              </a:rPr>
+              <a:t>sản</a:t>
+            </a:r>
+            <a:r>
+              <a:rPr lang="en-US" dirty="0" smtClean="0">
+                <a:solidFill>
+                  <a:srgbClr val="595959"/>
+                </a:solidFill>
+                <a:latin typeface="Arial"/>
+                <a:cs typeface="Arial"/>
+              </a:rPr>
+              <a:t> </a:t>
+            </a:r>
+            <a:r>
+              <a:rPr lang="en-US" dirty="0" err="1" smtClean="0">
+                <a:solidFill>
+                  <a:srgbClr val="595959"/>
+                </a:solidFill>
+                <a:latin typeface="Arial"/>
+                <a:cs typeface="Arial"/>
+              </a:rPr>
+              <a:t>phẩm</a:t>
+            </a:r>
+            <a:r>
+              <a:rPr lang="en-US" dirty="0" smtClean="0">
+                <a:solidFill>
+                  <a:srgbClr val="595959"/>
+                </a:solidFill>
+                <a:latin typeface="Arial"/>
+                <a:cs typeface="Arial"/>
+              </a:rPr>
+              <a:t>, </a:t>
+            </a:r>
+            <a:r>
+              <a:rPr lang="en-US" dirty="0" err="1" smtClean="0">
+                <a:solidFill>
+                  <a:srgbClr val="595959"/>
+                </a:solidFill>
+                <a:latin typeface="Arial"/>
+                <a:cs typeface="Arial"/>
+              </a:rPr>
+              <a:t>hệ</a:t>
+            </a:r>
+            <a:r>
+              <a:rPr lang="en-US" dirty="0" smtClean="0">
+                <a:solidFill>
+                  <a:srgbClr val="595959"/>
+                </a:solidFill>
+                <a:latin typeface="Arial"/>
+                <a:cs typeface="Arial"/>
+              </a:rPr>
+              <a:t> </a:t>
+            </a:r>
+            <a:r>
+              <a:rPr lang="en-US" dirty="0" err="1" smtClean="0">
+                <a:solidFill>
+                  <a:srgbClr val="595959"/>
+                </a:solidFill>
+                <a:latin typeface="Arial"/>
+                <a:cs typeface="Arial"/>
+              </a:rPr>
+              <a:t>thống</a:t>
+            </a:r>
+            <a:r>
+              <a:rPr lang="en-US" dirty="0" smtClean="0">
+                <a:solidFill>
+                  <a:srgbClr val="595959"/>
+                </a:solidFill>
+                <a:latin typeface="Arial"/>
+                <a:cs typeface="Arial"/>
+              </a:rPr>
+              <a:t> </a:t>
+            </a:r>
+            <a:r>
+              <a:rPr lang="en-US" dirty="0" err="1" smtClean="0">
+                <a:solidFill>
+                  <a:srgbClr val="595959"/>
+                </a:solidFill>
+                <a:latin typeface="Arial"/>
+                <a:cs typeface="Arial"/>
+              </a:rPr>
+              <a:t>của</a:t>
+            </a:r>
+            <a:r>
+              <a:rPr lang="en-US" dirty="0" smtClean="0">
+                <a:solidFill>
+                  <a:srgbClr val="595959"/>
+                </a:solidFill>
+                <a:latin typeface="Arial"/>
+                <a:cs typeface="Arial"/>
+              </a:rPr>
+              <a:t> </a:t>
+            </a:r>
+            <a:r>
+              <a:rPr lang="en-US" dirty="0" err="1" smtClean="0">
+                <a:solidFill>
+                  <a:srgbClr val="595959"/>
+                </a:solidFill>
+                <a:latin typeface="Arial"/>
+                <a:cs typeface="Arial"/>
+              </a:rPr>
+              <a:t>websosanh.vn</a:t>
+            </a:r>
+            <a:r>
+              <a:rPr lang="en-US" dirty="0" smtClean="0">
+                <a:solidFill>
+                  <a:srgbClr val="595959"/>
+                </a:solidFill>
+                <a:latin typeface="Arial"/>
+                <a:cs typeface="Arial"/>
+              </a:rPr>
+              <a:t> </a:t>
+            </a:r>
+            <a:r>
+              <a:rPr lang="en-US" dirty="0" err="1" smtClean="0">
+                <a:solidFill>
+                  <a:srgbClr val="595959"/>
+                </a:solidFill>
+                <a:latin typeface="Arial"/>
+                <a:cs typeface="Arial"/>
+              </a:rPr>
+              <a:t>hỗ</a:t>
+            </a:r>
+            <a:r>
+              <a:rPr lang="en-US" dirty="0" smtClean="0">
+                <a:solidFill>
+                  <a:srgbClr val="595959"/>
+                </a:solidFill>
+                <a:latin typeface="Arial"/>
+                <a:cs typeface="Arial"/>
+              </a:rPr>
+              <a:t> </a:t>
+            </a:r>
+            <a:r>
+              <a:rPr lang="en-US" dirty="0" err="1" smtClean="0">
+                <a:solidFill>
+                  <a:srgbClr val="595959"/>
+                </a:solidFill>
+                <a:latin typeface="Arial"/>
+                <a:cs typeface="Arial"/>
+              </a:rPr>
+              <a:t>trợ</a:t>
+            </a:r>
+            <a:r>
+              <a:rPr lang="en-US" dirty="0" smtClean="0">
+                <a:solidFill>
+                  <a:srgbClr val="595959"/>
+                </a:solidFill>
+                <a:latin typeface="Arial"/>
+                <a:cs typeface="Arial"/>
+              </a:rPr>
+              <a:t> </a:t>
+            </a:r>
+            <a:r>
+              <a:rPr lang="en-US" dirty="0" err="1" smtClean="0">
+                <a:solidFill>
+                  <a:srgbClr val="595959"/>
+                </a:solidFill>
+                <a:latin typeface="Arial"/>
+                <a:cs typeface="Arial"/>
+              </a:rPr>
+              <a:t>chức</a:t>
+            </a:r>
+            <a:r>
+              <a:rPr lang="en-US" dirty="0" smtClean="0">
+                <a:solidFill>
+                  <a:srgbClr val="595959"/>
+                </a:solidFill>
+                <a:latin typeface="Arial"/>
+                <a:cs typeface="Arial"/>
+              </a:rPr>
+              <a:t> </a:t>
+            </a:r>
+            <a:r>
+              <a:rPr lang="en-US" dirty="0" err="1" smtClean="0">
+                <a:solidFill>
+                  <a:srgbClr val="595959"/>
+                </a:solidFill>
+                <a:latin typeface="Arial"/>
+                <a:cs typeface="Arial"/>
+              </a:rPr>
+              <a:t>năng</a:t>
+            </a:r>
+            <a:r>
+              <a:rPr lang="en-US" dirty="0" smtClean="0">
+                <a:solidFill>
+                  <a:srgbClr val="595959"/>
+                </a:solidFill>
+                <a:latin typeface="Arial"/>
+                <a:cs typeface="Arial"/>
+              </a:rPr>
+              <a:t> </a:t>
+            </a:r>
+            <a:r>
+              <a:rPr lang="en-US" dirty="0" err="1" smtClean="0">
+                <a:solidFill>
+                  <a:srgbClr val="595959"/>
+                </a:solidFill>
+                <a:latin typeface="Arial"/>
+                <a:cs typeface="Arial"/>
+              </a:rPr>
+              <a:t>phân</a:t>
+            </a:r>
+            <a:r>
+              <a:rPr lang="en-US" dirty="0" smtClean="0">
+                <a:solidFill>
+                  <a:srgbClr val="595959"/>
+                </a:solidFill>
+                <a:latin typeface="Arial"/>
+                <a:cs typeface="Arial"/>
+              </a:rPr>
+              <a:t> </a:t>
+            </a:r>
+            <a:r>
+              <a:rPr lang="en-US" dirty="0" err="1" smtClean="0">
+                <a:solidFill>
+                  <a:srgbClr val="595959"/>
+                </a:solidFill>
+                <a:latin typeface="Arial"/>
+                <a:cs typeface="Arial"/>
+              </a:rPr>
+              <a:t>trang</a:t>
+            </a:r>
+            <a:r>
+              <a:rPr lang="en-US" dirty="0" smtClean="0">
+                <a:solidFill>
+                  <a:srgbClr val="595959"/>
+                </a:solidFill>
+                <a:latin typeface="Arial"/>
+                <a:cs typeface="Arial"/>
+              </a:rPr>
+              <a:t>.</a:t>
+            </a:r>
+          </a:p>
+          <a:p>
+            <a:pPr marL="457200" lvl="1" indent="0">
+              <a:buNone/>
+            </a:pPr>
+            <a:r>
+              <a:rPr lang="en-US" dirty="0" err="1" smtClean="0">
+                <a:solidFill>
+                  <a:srgbClr val="595959"/>
+                </a:solidFill>
+                <a:latin typeface="Arial"/>
+                <a:cs typeface="Arial"/>
+              </a:rPr>
+              <a:t>Khi</a:t>
+            </a:r>
+            <a:r>
+              <a:rPr lang="en-US" dirty="0" smtClean="0">
+                <a:solidFill>
+                  <a:srgbClr val="595959"/>
+                </a:solidFill>
+                <a:latin typeface="Arial"/>
+                <a:cs typeface="Arial"/>
+              </a:rPr>
+              <a:t> </a:t>
+            </a:r>
+            <a:r>
+              <a:rPr lang="en-US" dirty="0" err="1" smtClean="0">
+                <a:solidFill>
+                  <a:srgbClr val="595959"/>
+                </a:solidFill>
+                <a:latin typeface="Arial"/>
+                <a:cs typeface="Arial"/>
+              </a:rPr>
+              <a:t>đó</a:t>
+            </a:r>
+            <a:r>
+              <a:rPr lang="en-US" dirty="0" smtClean="0">
+                <a:solidFill>
+                  <a:srgbClr val="595959"/>
+                </a:solidFill>
+                <a:latin typeface="Arial"/>
+                <a:cs typeface="Arial"/>
+              </a:rPr>
+              <a:t> </a:t>
+            </a:r>
+            <a:r>
+              <a:rPr lang="en-US" dirty="0" err="1" smtClean="0">
+                <a:solidFill>
+                  <a:srgbClr val="595959"/>
+                </a:solidFill>
+                <a:latin typeface="Arial"/>
+                <a:cs typeface="Arial"/>
+              </a:rPr>
+              <a:t>đường</a:t>
+            </a:r>
+            <a:r>
+              <a:rPr lang="en-US" dirty="0" smtClean="0">
+                <a:solidFill>
+                  <a:srgbClr val="595959"/>
+                </a:solidFill>
+                <a:latin typeface="Arial"/>
+                <a:cs typeface="Arial"/>
+              </a:rPr>
+              <a:t> </a:t>
+            </a:r>
+            <a:r>
+              <a:rPr lang="en-US" dirty="0" err="1" smtClean="0">
+                <a:solidFill>
+                  <a:srgbClr val="595959"/>
+                </a:solidFill>
+                <a:latin typeface="Arial"/>
+                <a:cs typeface="Arial"/>
+              </a:rPr>
+              <a:t>dẫn</a:t>
+            </a:r>
+            <a:r>
+              <a:rPr lang="en-US" dirty="0" smtClean="0">
+                <a:solidFill>
+                  <a:srgbClr val="595959"/>
+                </a:solidFill>
+                <a:latin typeface="Arial"/>
+                <a:cs typeface="Arial"/>
+              </a:rPr>
+              <a:t> </a:t>
+            </a:r>
+            <a:r>
+              <a:rPr lang="en-US" dirty="0" err="1" smtClean="0">
+                <a:solidFill>
+                  <a:srgbClr val="595959"/>
+                </a:solidFill>
+                <a:latin typeface="Arial"/>
+                <a:cs typeface="Arial"/>
+              </a:rPr>
+              <a:t>datafeed</a:t>
+            </a:r>
+            <a:r>
+              <a:rPr lang="en-US" dirty="0" smtClean="0">
+                <a:solidFill>
+                  <a:srgbClr val="595959"/>
+                </a:solidFill>
+                <a:latin typeface="Arial"/>
+                <a:cs typeface="Arial"/>
+              </a:rPr>
+              <a:t> </a:t>
+            </a:r>
+            <a:r>
+              <a:rPr lang="en-US" dirty="0" err="1" smtClean="0">
+                <a:solidFill>
+                  <a:srgbClr val="595959"/>
+                </a:solidFill>
+                <a:latin typeface="Arial"/>
+                <a:cs typeface="Arial"/>
+              </a:rPr>
+              <a:t>sẽ</a:t>
+            </a:r>
+            <a:r>
+              <a:rPr lang="en-US" dirty="0" smtClean="0">
+                <a:solidFill>
+                  <a:srgbClr val="595959"/>
+                </a:solidFill>
+                <a:latin typeface="Arial"/>
+                <a:cs typeface="Arial"/>
+              </a:rPr>
+              <a:t> </a:t>
+            </a:r>
+            <a:r>
+              <a:rPr lang="en-US" dirty="0" err="1" smtClean="0">
+                <a:solidFill>
+                  <a:srgbClr val="595959"/>
+                </a:solidFill>
+                <a:latin typeface="Arial"/>
+                <a:cs typeface="Arial"/>
+              </a:rPr>
+              <a:t>trả</a:t>
+            </a:r>
+            <a:r>
+              <a:rPr lang="en-US" dirty="0" smtClean="0">
+                <a:solidFill>
+                  <a:srgbClr val="595959"/>
+                </a:solidFill>
+                <a:latin typeface="Arial"/>
+                <a:cs typeface="Arial"/>
+              </a:rPr>
+              <a:t> </a:t>
+            </a:r>
+            <a:r>
+              <a:rPr lang="en-US" dirty="0" err="1" smtClean="0">
+                <a:solidFill>
+                  <a:srgbClr val="595959"/>
+                </a:solidFill>
+                <a:latin typeface="Arial"/>
+                <a:cs typeface="Arial"/>
+              </a:rPr>
+              <a:t>về</a:t>
+            </a:r>
+            <a:r>
+              <a:rPr lang="en-US" dirty="0" smtClean="0">
+                <a:solidFill>
+                  <a:srgbClr val="595959"/>
+                </a:solidFill>
+                <a:latin typeface="Arial"/>
+                <a:cs typeface="Arial"/>
+              </a:rPr>
+              <a:t> </a:t>
+            </a:r>
+            <a:r>
+              <a:rPr lang="en-US" dirty="0" err="1" smtClean="0">
+                <a:solidFill>
+                  <a:srgbClr val="595959"/>
+                </a:solidFill>
+                <a:latin typeface="Arial"/>
+                <a:cs typeface="Arial"/>
+              </a:rPr>
+              <a:t>một</a:t>
+            </a:r>
+            <a:r>
+              <a:rPr lang="en-US" dirty="0" smtClean="0">
+                <a:solidFill>
+                  <a:srgbClr val="595959"/>
+                </a:solidFill>
+                <a:latin typeface="Arial"/>
+                <a:cs typeface="Arial"/>
+              </a:rPr>
+              <a:t> </a:t>
+            </a:r>
+            <a:r>
+              <a:rPr lang="en-US" dirty="0" err="1" smtClean="0">
+                <a:solidFill>
+                  <a:srgbClr val="595959"/>
+                </a:solidFill>
+                <a:latin typeface="Arial"/>
+                <a:cs typeface="Arial"/>
+              </a:rPr>
+              <a:t>đối</a:t>
+            </a:r>
+            <a:r>
+              <a:rPr lang="en-US" dirty="0" smtClean="0">
+                <a:solidFill>
+                  <a:srgbClr val="595959"/>
+                </a:solidFill>
+                <a:latin typeface="Arial"/>
+                <a:cs typeface="Arial"/>
+              </a:rPr>
+              <a:t> </a:t>
+            </a:r>
+            <a:r>
+              <a:rPr lang="en-US" dirty="0" err="1" smtClean="0">
+                <a:solidFill>
+                  <a:srgbClr val="595959"/>
+                </a:solidFill>
+                <a:latin typeface="Arial"/>
+                <a:cs typeface="Arial"/>
+              </a:rPr>
+              <a:t>tượng</a:t>
+            </a:r>
+            <a:r>
+              <a:rPr lang="en-US" dirty="0" smtClean="0">
+                <a:solidFill>
+                  <a:srgbClr val="595959"/>
+                </a:solidFill>
+                <a:latin typeface="Arial"/>
+                <a:cs typeface="Arial"/>
+              </a:rPr>
+              <a:t> </a:t>
+            </a:r>
+            <a:r>
+              <a:rPr lang="en-US" dirty="0" err="1" smtClean="0">
+                <a:solidFill>
+                  <a:srgbClr val="595959"/>
+                </a:solidFill>
+                <a:latin typeface="Arial"/>
+                <a:cs typeface="Arial"/>
+              </a:rPr>
+              <a:t>định</a:t>
+            </a:r>
+            <a:r>
+              <a:rPr lang="en-US" dirty="0" smtClean="0">
+                <a:solidFill>
+                  <a:srgbClr val="595959"/>
+                </a:solidFill>
+                <a:latin typeface="Arial"/>
+                <a:cs typeface="Arial"/>
+              </a:rPr>
+              <a:t> </a:t>
+            </a:r>
+            <a:r>
+              <a:rPr lang="en-US" dirty="0" err="1" smtClean="0">
+                <a:solidFill>
+                  <a:srgbClr val="595959"/>
+                </a:solidFill>
+                <a:latin typeface="Arial"/>
+                <a:cs typeface="Arial"/>
+              </a:rPr>
+              <a:t>dạng</a:t>
+            </a:r>
+            <a:r>
+              <a:rPr lang="en-US" dirty="0" smtClean="0">
+                <a:solidFill>
+                  <a:srgbClr val="595959"/>
+                </a:solidFill>
+                <a:latin typeface="Arial"/>
+                <a:cs typeface="Arial"/>
+              </a:rPr>
+              <a:t> </a:t>
+            </a:r>
+            <a:r>
+              <a:rPr lang="en-US" dirty="0" err="1" smtClean="0">
+                <a:solidFill>
+                  <a:srgbClr val="595959"/>
+                </a:solidFill>
+                <a:latin typeface="Arial"/>
+                <a:cs typeface="Arial"/>
+              </a:rPr>
+              <a:t>json</a:t>
+            </a:r>
+            <a:r>
+              <a:rPr lang="en-US" dirty="0" smtClean="0">
+                <a:solidFill>
+                  <a:srgbClr val="595959"/>
+                </a:solidFill>
+                <a:latin typeface="Arial"/>
+                <a:cs typeface="Arial"/>
+              </a:rPr>
+              <a:t> </a:t>
+            </a:r>
+            <a:r>
+              <a:rPr lang="en-US" dirty="0" err="1" smtClean="0">
+                <a:solidFill>
+                  <a:srgbClr val="595959"/>
+                </a:solidFill>
+                <a:latin typeface="Arial"/>
+                <a:cs typeface="Arial"/>
+              </a:rPr>
+              <a:t>chứa</a:t>
+            </a:r>
+            <a:r>
+              <a:rPr lang="en-US" dirty="0" smtClean="0">
+                <a:solidFill>
+                  <a:srgbClr val="595959"/>
+                </a:solidFill>
+                <a:latin typeface="Arial"/>
+                <a:cs typeface="Arial"/>
+              </a:rPr>
+              <a:t> </a:t>
+            </a:r>
+            <a:r>
+              <a:rPr lang="en-US" dirty="0" err="1" smtClean="0">
+                <a:solidFill>
+                  <a:srgbClr val="595959"/>
+                </a:solidFill>
+                <a:latin typeface="Arial"/>
+                <a:cs typeface="Arial"/>
+              </a:rPr>
+              <a:t>thông</a:t>
+            </a:r>
+            <a:r>
+              <a:rPr lang="en-US" dirty="0" smtClean="0">
+                <a:solidFill>
+                  <a:srgbClr val="595959"/>
+                </a:solidFill>
+                <a:latin typeface="Arial"/>
+                <a:cs typeface="Arial"/>
+              </a:rPr>
+              <a:t> tin </a:t>
+            </a:r>
+            <a:r>
+              <a:rPr lang="en-US" dirty="0" err="1" smtClean="0">
+                <a:solidFill>
+                  <a:srgbClr val="595959"/>
+                </a:solidFill>
+                <a:latin typeface="Arial"/>
+                <a:cs typeface="Arial"/>
+              </a:rPr>
+              <a:t>phân</a:t>
+            </a:r>
+            <a:r>
+              <a:rPr lang="en-US" dirty="0" smtClean="0">
+                <a:solidFill>
+                  <a:srgbClr val="595959"/>
+                </a:solidFill>
+                <a:latin typeface="Arial"/>
+                <a:cs typeface="Arial"/>
+              </a:rPr>
+              <a:t> </a:t>
+            </a:r>
+            <a:r>
+              <a:rPr lang="en-US" dirty="0" err="1" smtClean="0">
+                <a:solidFill>
+                  <a:srgbClr val="595959"/>
+                </a:solidFill>
+                <a:latin typeface="Arial"/>
+                <a:cs typeface="Arial"/>
+              </a:rPr>
+              <a:t>trang</a:t>
+            </a:r>
+            <a:r>
+              <a:rPr lang="en-US" dirty="0">
+                <a:solidFill>
+                  <a:srgbClr val="595959"/>
+                </a:solidFill>
+                <a:latin typeface="Arial"/>
+                <a:cs typeface="Arial"/>
+              </a:rPr>
+              <a:t> </a:t>
+            </a:r>
+            <a:r>
+              <a:rPr lang="en-US" dirty="0" err="1" smtClean="0">
+                <a:solidFill>
+                  <a:srgbClr val="595959"/>
+                </a:solidFill>
+                <a:latin typeface="Arial"/>
+                <a:cs typeface="Arial"/>
+              </a:rPr>
+              <a:t>có</a:t>
+            </a:r>
+            <a:r>
+              <a:rPr lang="en-US" dirty="0" smtClean="0">
+                <a:solidFill>
+                  <a:srgbClr val="595959"/>
+                </a:solidFill>
+                <a:latin typeface="Arial"/>
+                <a:cs typeface="Arial"/>
+              </a:rPr>
+              <a:t> </a:t>
+            </a:r>
+            <a:r>
+              <a:rPr lang="en-US" dirty="0" err="1" smtClean="0">
+                <a:solidFill>
+                  <a:srgbClr val="595959"/>
+                </a:solidFill>
+                <a:latin typeface="Arial"/>
+                <a:cs typeface="Arial"/>
+              </a:rPr>
+              <a:t>dạng</a:t>
+            </a:r>
+            <a:r>
+              <a:rPr lang="en-US" dirty="0" smtClean="0">
+                <a:solidFill>
+                  <a:srgbClr val="595959"/>
+                </a:solidFill>
+                <a:latin typeface="Arial"/>
+                <a:cs typeface="Arial"/>
+              </a:rPr>
+              <a:t>:</a:t>
+            </a:r>
+          </a:p>
+          <a:p>
+            <a:pPr marL="457200" lvl="1" indent="0">
+              <a:buNone/>
+            </a:pPr>
+            <a:r>
+              <a:rPr lang="en-US" dirty="0" smtClean="0">
+                <a:solidFill>
+                  <a:srgbClr val="595959"/>
+                </a:solidFill>
+                <a:latin typeface="Arial"/>
+                <a:cs typeface="Arial"/>
+              </a:rPr>
+              <a:t>{</a:t>
+            </a:r>
+          </a:p>
+          <a:p>
+            <a:pPr marL="457200" lvl="1" indent="0">
+              <a:buNone/>
+            </a:pPr>
+            <a:r>
+              <a:rPr lang="en-US" dirty="0" smtClean="0">
+                <a:solidFill>
+                  <a:srgbClr val="595959"/>
+                </a:solidFill>
+                <a:latin typeface="Arial"/>
+                <a:cs typeface="Arial"/>
+              </a:rPr>
+              <a:t>	</a:t>
+            </a:r>
+            <a:r>
+              <a:rPr lang="en-US" dirty="0" err="1" smtClean="0">
+                <a:solidFill>
+                  <a:srgbClr val="595959"/>
+                </a:solidFill>
+                <a:latin typeface="Arial"/>
+                <a:cs typeface="Arial"/>
+              </a:rPr>
+              <a:t>feed_url</a:t>
+            </a:r>
+            <a:r>
+              <a:rPr lang="en-US" dirty="0">
+                <a:solidFill>
+                  <a:srgbClr val="595959"/>
+                </a:solidFill>
+                <a:latin typeface="Arial"/>
+                <a:cs typeface="Arial"/>
+              </a:rPr>
+              <a:t>: "http:/</a:t>
+            </a:r>
+            <a:r>
+              <a:rPr lang="en-US" dirty="0" smtClean="0">
+                <a:solidFill>
+                  <a:srgbClr val="595959"/>
+                </a:solidFill>
+                <a:latin typeface="Arial"/>
+                <a:cs typeface="Arial"/>
+              </a:rPr>
+              <a:t>/your-</a:t>
+            </a:r>
+            <a:r>
+              <a:rPr lang="en-US" dirty="0" err="1" smtClean="0">
+                <a:solidFill>
+                  <a:srgbClr val="595959"/>
+                </a:solidFill>
+                <a:latin typeface="Arial"/>
+                <a:cs typeface="Arial"/>
+              </a:rPr>
+              <a:t>site.com</a:t>
             </a:r>
             <a:r>
               <a:rPr lang="en-US" dirty="0" smtClean="0">
@@ -14900,27 +17467,7 @@
               <a:t>/</a:t>
             </a:r>
             <a:r>
-              <a:rPr lang="en-US" dirty="0" err="1" smtClean="0">
-                <a:solidFill>
-                  <a:srgbClr val="595959"/>
-                </a:solidFill>
-                <a:latin typeface="Arial"/>
-                <a:cs typeface="Arial"/>
-              </a:rPr>
-              <a:t>anhtoan</a:t>
-            </a:r>
-            <a:r>
-              <a:rPr lang="en-US" dirty="0" smtClean="0">
-                <a:solidFill>
-                  <a:srgbClr val="595959"/>
-                </a:solidFill>
-                <a:latin typeface="Arial"/>
-                <a:cs typeface="Arial"/>
-              </a:rPr>
-              <a:t>/</a:t>
-            </a:r>
-            <a:r>
-              <a:rPr lang="en-US" dirty="0" err="1" smtClean="0">
+              <a:rPr lang="en-US" dirty="0" err="1">
                 <a:solidFill>
                   <a:srgbClr val="595959"/>
                 </a:solidFill>
@@ -14929,6 +17476,737 @@
               </a:rPr>
               <a:t>wss-datafeed</a:t>
             </a:r>
+            <a:r>
+              <a:rPr lang="en-US" dirty="0">
+                <a:solidFill>
+                  <a:srgbClr val="595959"/>
+                </a:solidFill>
+                <a:latin typeface="Arial"/>
+                <a:cs typeface="Arial"/>
+              </a:rPr>
+              <a:t>/",</a:t>
+            </a:r>
+          </a:p>
+          <a:p>
+            <a:pPr marL="857250" lvl="2" indent="0">
+              <a:buNone/>
+            </a:pPr>
+            <a:r>
+              <a:rPr lang="en-US" dirty="0" smtClean="0">
+                <a:solidFill>
+                  <a:srgbClr val="595959"/>
+                </a:solidFill>
+                <a:latin typeface="Arial"/>
+                <a:cs typeface="Arial"/>
+              </a:rPr>
+              <a:t>	</a:t>
+            </a:r>
+            <a:r>
+              <a:rPr lang="en-US" dirty="0" err="1" smtClean="0">
+                <a:solidFill>
+                  <a:srgbClr val="595959"/>
+                </a:solidFill>
+                <a:latin typeface="Arial"/>
+                <a:cs typeface="Arial"/>
+              </a:rPr>
+              <a:t>total_page</a:t>
+            </a:r>
+            <a:r>
+              <a:rPr lang="en-US" dirty="0">
+                <a:solidFill>
+                  <a:srgbClr val="595959"/>
+                </a:solidFill>
+                <a:latin typeface="Arial"/>
+                <a:cs typeface="Arial"/>
+              </a:rPr>
+              <a:t>: 42,</a:t>
+            </a:r>
+          </a:p>
+          <a:p>
+            <a:pPr marL="857250" lvl="2" indent="0">
+              <a:buNone/>
+            </a:pPr>
+            <a:r>
+              <a:rPr lang="en-US" dirty="0" smtClean="0">
+                <a:solidFill>
+                  <a:srgbClr val="595959"/>
+                </a:solidFill>
+                <a:latin typeface="Arial"/>
+                <a:cs typeface="Arial"/>
+              </a:rPr>
+              <a:t>	</a:t>
+            </a:r>
+            <a:r>
+              <a:rPr lang="en-US" dirty="0" err="1" smtClean="0">
+                <a:solidFill>
+                  <a:srgbClr val="595959"/>
+                </a:solidFill>
+                <a:latin typeface="Arial"/>
+                <a:cs typeface="Arial"/>
+              </a:rPr>
+              <a:t>page_param</a:t>
+            </a:r>
+            <a:r>
+              <a:rPr lang="en-US" dirty="0">
+                <a:solidFill>
+                  <a:srgbClr val="595959"/>
+                </a:solidFill>
+                <a:latin typeface="Arial"/>
+                <a:cs typeface="Arial"/>
+              </a:rPr>
+              <a:t>: "</a:t>
+            </a:r>
+            <a:r>
+              <a:rPr lang="en-US" dirty="0" err="1">
+                <a:solidFill>
+                  <a:srgbClr val="595959"/>
+                </a:solidFill>
+                <a:latin typeface="Arial"/>
+                <a:cs typeface="Arial"/>
+              </a:rPr>
+              <a:t>pagenum</a:t>
+            </a:r>
+            <a:r>
+              <a:rPr lang="en-US" dirty="0">
+                <a:solidFill>
+                  <a:srgbClr val="595959"/>
+                </a:solidFill>
+                <a:latin typeface="Arial"/>
+                <a:cs typeface="Arial"/>
+              </a:rPr>
+              <a:t>"</a:t>
+            </a:r>
+          </a:p>
+          <a:p>
+            <a:pPr marL="457200" lvl="1" indent="0">
+              <a:buNone/>
+            </a:pPr>
+            <a:r>
+              <a:rPr lang="en-US" dirty="0" smtClean="0">
+                <a:solidFill>
+                  <a:srgbClr val="595959"/>
+                </a:solidFill>
+                <a:latin typeface="Arial"/>
+                <a:cs typeface="Arial"/>
+              </a:rPr>
+              <a:t>}</a:t>
+            </a:r>
+          </a:p>
+          <a:p>
+            <a:pPr marL="457200" lvl="1" indent="0">
+              <a:buNone/>
+            </a:pPr>
+            <a:r>
+              <a:rPr lang="en-US" dirty="0" err="1" smtClean="0">
+                <a:solidFill>
+                  <a:srgbClr val="595959"/>
+                </a:solidFill>
+                <a:latin typeface="Arial"/>
+                <a:cs typeface="Arial"/>
+              </a:rPr>
+              <a:t>Hệ</a:t>
+            </a:r>
+            <a:r>
+              <a:rPr lang="en-US" dirty="0" smtClean="0">
+                <a:solidFill>
+                  <a:srgbClr val="595959"/>
+                </a:solidFill>
+                <a:latin typeface="Arial"/>
+                <a:cs typeface="Arial"/>
+              </a:rPr>
+              <a:t> </a:t>
+            </a:r>
+            <a:r>
+              <a:rPr lang="en-US" dirty="0" err="1" smtClean="0">
+                <a:solidFill>
+                  <a:srgbClr val="595959"/>
+                </a:solidFill>
+                <a:latin typeface="Arial"/>
+                <a:cs typeface="Arial"/>
+              </a:rPr>
+              <a:t>thống</a:t>
+            </a:r>
+            <a:r>
+              <a:rPr lang="en-US" dirty="0" smtClean="0">
+                <a:solidFill>
+                  <a:srgbClr val="595959"/>
+                </a:solidFill>
+                <a:latin typeface="Arial"/>
+                <a:cs typeface="Arial"/>
+              </a:rPr>
+              <a:t> </a:t>
+            </a:r>
+            <a:r>
+              <a:rPr lang="en-US" dirty="0" err="1" smtClean="0">
+                <a:solidFill>
+                  <a:srgbClr val="595959"/>
+                </a:solidFill>
+                <a:latin typeface="Arial"/>
+                <a:cs typeface="Arial"/>
+              </a:rPr>
+              <a:t>của</a:t>
+            </a:r>
+            <a:r>
+              <a:rPr lang="en-US" dirty="0" smtClean="0">
+                <a:solidFill>
+                  <a:srgbClr val="595959"/>
+                </a:solidFill>
+                <a:latin typeface="Arial"/>
+                <a:cs typeface="Arial"/>
+              </a:rPr>
+              <a:t> </a:t>
+            </a:r>
+            <a:r>
+              <a:rPr lang="en-US" dirty="0" err="1" smtClean="0">
+                <a:solidFill>
+                  <a:srgbClr val="595959"/>
+                </a:solidFill>
+                <a:latin typeface="Arial"/>
+                <a:cs typeface="Arial"/>
+              </a:rPr>
+              <a:t>websosanh.vn</a:t>
+            </a:r>
+            <a:r>
+              <a:rPr lang="en-US" dirty="0" smtClean="0">
+                <a:solidFill>
+                  <a:srgbClr val="595959"/>
+                </a:solidFill>
+                <a:latin typeface="Arial"/>
+                <a:cs typeface="Arial"/>
+              </a:rPr>
+              <a:t> </a:t>
+            </a:r>
+            <a:r>
+              <a:rPr lang="en-US" dirty="0" err="1" smtClean="0">
+                <a:solidFill>
+                  <a:srgbClr val="595959"/>
+                </a:solidFill>
+                <a:latin typeface="Arial"/>
+                <a:cs typeface="Arial"/>
+              </a:rPr>
+              <a:t>sẽ</a:t>
+            </a:r>
+            <a:r>
+              <a:rPr lang="en-US" dirty="0" smtClean="0">
+                <a:solidFill>
+                  <a:srgbClr val="595959"/>
+                </a:solidFill>
+                <a:latin typeface="Arial"/>
+                <a:cs typeface="Arial"/>
+              </a:rPr>
+              <a:t> </a:t>
+            </a:r>
+            <a:r>
+              <a:rPr lang="en-US" dirty="0" err="1" smtClean="0">
+                <a:solidFill>
+                  <a:srgbClr val="595959"/>
+                </a:solidFill>
+                <a:latin typeface="Arial"/>
+                <a:cs typeface="Arial"/>
+              </a:rPr>
+              <a:t>quét</a:t>
+            </a:r>
+            <a:r>
+              <a:rPr lang="en-US" dirty="0" smtClean="0">
+                <a:solidFill>
+                  <a:srgbClr val="595959"/>
+                </a:solidFill>
+                <a:latin typeface="Arial"/>
+                <a:cs typeface="Arial"/>
+              </a:rPr>
+              <a:t> </a:t>
+            </a:r>
+            <a:r>
+              <a:rPr lang="en-US" dirty="0" err="1" smtClean="0">
+                <a:solidFill>
+                  <a:srgbClr val="595959"/>
+                </a:solidFill>
+                <a:latin typeface="Arial"/>
+                <a:cs typeface="Arial"/>
+              </a:rPr>
+              <a:t>từng</a:t>
+            </a:r>
+            <a:r>
+              <a:rPr lang="en-US" dirty="0" smtClean="0">
+                <a:solidFill>
+                  <a:srgbClr val="595959"/>
+                </a:solidFill>
+                <a:latin typeface="Arial"/>
+                <a:cs typeface="Arial"/>
+              </a:rPr>
+              <a:t> </a:t>
+            </a:r>
+            <a:r>
+              <a:rPr lang="en-US" dirty="0" err="1" smtClean="0">
+                <a:solidFill>
+                  <a:srgbClr val="595959"/>
+                </a:solidFill>
+                <a:latin typeface="Arial"/>
+                <a:cs typeface="Arial"/>
+              </a:rPr>
+              <a:t>trang</a:t>
+            </a:r>
+            <a:r>
+              <a:rPr lang="en-US" dirty="0" smtClean="0">
+                <a:solidFill>
+                  <a:srgbClr val="595959"/>
+                </a:solidFill>
+                <a:latin typeface="Arial"/>
+                <a:cs typeface="Arial"/>
+              </a:rPr>
+              <a:t> </a:t>
+            </a:r>
+            <a:r>
+              <a:rPr lang="en-US" dirty="0" err="1" smtClean="0">
+                <a:solidFill>
+                  <a:srgbClr val="595959"/>
+                </a:solidFill>
+                <a:latin typeface="Arial"/>
+                <a:cs typeface="Arial"/>
+              </a:rPr>
+              <a:t>theo</a:t>
+            </a:r>
+            <a:r>
+              <a:rPr lang="en-US" dirty="0" smtClean="0">
+                <a:solidFill>
+                  <a:srgbClr val="595959"/>
+                </a:solidFill>
+                <a:latin typeface="Arial"/>
+                <a:cs typeface="Arial"/>
+              </a:rPr>
+              <a:t> </a:t>
+            </a:r>
+            <a:r>
+              <a:rPr lang="en-US" dirty="0" err="1" smtClean="0">
+                <a:solidFill>
+                  <a:srgbClr val="595959"/>
+                </a:solidFill>
+                <a:latin typeface="Arial"/>
+                <a:cs typeface="Arial"/>
+              </a:rPr>
+              <a:t>định</a:t>
+            </a:r>
+            <a:r>
+              <a:rPr lang="en-US" dirty="0" smtClean="0">
+                <a:solidFill>
+                  <a:srgbClr val="595959"/>
+                </a:solidFill>
+                <a:latin typeface="Arial"/>
+                <a:cs typeface="Arial"/>
+              </a:rPr>
+              <a:t> </a:t>
+            </a:r>
+            <a:r>
+              <a:rPr lang="en-US" dirty="0" err="1" smtClean="0">
+                <a:solidFill>
+                  <a:srgbClr val="595959"/>
+                </a:solidFill>
+                <a:latin typeface="Arial"/>
+                <a:cs typeface="Arial"/>
+              </a:rPr>
+              <a:t>dạng</a:t>
+            </a:r>
+            <a:r>
+              <a:rPr lang="en-US" dirty="0" smtClean="0">
+                <a:solidFill>
+                  <a:srgbClr val="595959"/>
+                </a:solidFill>
+                <a:latin typeface="Arial"/>
+                <a:cs typeface="Arial"/>
+              </a:rPr>
+              <a:t> </a:t>
+            </a:r>
+            <a:r>
+              <a:rPr lang="en-US" dirty="0" err="1" smtClean="0">
+                <a:solidFill>
+                  <a:srgbClr val="595959"/>
+                </a:solidFill>
+                <a:latin typeface="Arial"/>
+                <a:cs typeface="Arial"/>
+              </a:rPr>
+              <a:t>tương</a:t>
+            </a:r>
+            <a:r>
+              <a:rPr lang="en-US" dirty="0" smtClean="0">
+                <a:solidFill>
+                  <a:srgbClr val="595959"/>
+                </a:solidFill>
+                <a:latin typeface="Arial"/>
+                <a:cs typeface="Arial"/>
+              </a:rPr>
+              <a:t> </a:t>
+            </a:r>
+            <a:r>
+              <a:rPr lang="en-US" dirty="0" err="1" smtClean="0">
+                <a:solidFill>
+                  <a:srgbClr val="595959"/>
+                </a:solidFill>
+                <a:latin typeface="Arial"/>
+                <a:cs typeface="Arial"/>
+              </a:rPr>
+              <a:t>ứng</a:t>
+            </a:r>
+            <a:r>
+              <a:rPr lang="en-US" dirty="0" smtClean="0">
+                <a:solidFill>
+                  <a:srgbClr val="595959"/>
+                </a:solidFill>
+                <a:latin typeface="Arial"/>
+                <a:cs typeface="Arial"/>
+              </a:rPr>
+              <a:t> </a:t>
+            </a:r>
+            <a:r>
+              <a:rPr lang="en-US" dirty="0" err="1" smtClean="0">
+                <a:solidFill>
+                  <a:srgbClr val="595959"/>
+                </a:solidFill>
+                <a:latin typeface="Arial"/>
+                <a:cs typeface="Arial"/>
+              </a:rPr>
+              <a:t>với</a:t>
+            </a:r>
+            <a:r>
+              <a:rPr lang="en-US" dirty="0" smtClean="0">
+                <a:solidFill>
+                  <a:srgbClr val="595959"/>
+                </a:solidFill>
+                <a:latin typeface="Arial"/>
+                <a:cs typeface="Arial"/>
+              </a:rPr>
+              <a:t> </a:t>
+            </a:r>
+            <a:r>
+              <a:rPr lang="en-US" dirty="0" err="1" smtClean="0">
+                <a:solidFill>
+                  <a:srgbClr val="595959"/>
+                </a:solidFill>
+                <a:latin typeface="Arial"/>
+                <a:cs typeface="Arial"/>
+              </a:rPr>
+              <a:t>thông</a:t>
+            </a:r>
+            <a:r>
+              <a:rPr lang="en-US" dirty="0" smtClean="0">
+                <a:solidFill>
+                  <a:srgbClr val="595959"/>
+                </a:solidFill>
+                <a:latin typeface="Arial"/>
+                <a:cs typeface="Arial"/>
+              </a:rPr>
+              <a:t> tin </a:t>
+            </a:r>
+            <a:r>
+              <a:rPr lang="en-US" dirty="0" err="1" smtClean="0">
+                <a:solidFill>
+                  <a:srgbClr val="595959"/>
+                </a:solidFill>
+                <a:latin typeface="Arial"/>
+                <a:cs typeface="Arial"/>
+              </a:rPr>
+              <a:t>phân</a:t>
+            </a:r>
+            <a:r>
+              <a:rPr lang="en-US" dirty="0" smtClean="0">
+                <a:solidFill>
+                  <a:srgbClr val="595959"/>
+                </a:solidFill>
+                <a:latin typeface="Arial"/>
+                <a:cs typeface="Arial"/>
+              </a:rPr>
+              <a:t> </a:t>
+            </a:r>
+            <a:r>
+              <a:rPr lang="en-US" dirty="0" err="1" smtClean="0">
+                <a:solidFill>
+                  <a:srgbClr val="595959"/>
+                </a:solidFill>
+                <a:latin typeface="Arial"/>
+                <a:cs typeface="Arial"/>
+              </a:rPr>
+              <a:t>trang</a:t>
+            </a:r>
+            <a:r>
+              <a:rPr lang="en-US" dirty="0" smtClean="0">
+                <a:solidFill>
+                  <a:srgbClr val="595959"/>
+                </a:solidFill>
+                <a:latin typeface="Arial"/>
+                <a:cs typeface="Arial"/>
+              </a:rPr>
+              <a:t>. </a:t>
+            </a:r>
+            <a:r>
+              <a:rPr lang="en-US" dirty="0" err="1" smtClean="0">
+                <a:solidFill>
+                  <a:srgbClr val="595959"/>
+                </a:solidFill>
+                <a:latin typeface="Arial"/>
+                <a:cs typeface="Arial"/>
+              </a:rPr>
+              <a:t>Ví</a:t>
+            </a:r>
+            <a:r>
+              <a:rPr lang="en-US" dirty="0" smtClean="0">
+                <a:solidFill>
+                  <a:srgbClr val="595959"/>
+                </a:solidFill>
+                <a:latin typeface="Arial"/>
+                <a:cs typeface="Arial"/>
+              </a:rPr>
+              <a:t> </a:t>
+            </a:r>
+            <a:r>
+              <a:rPr lang="en-US" dirty="0" err="1" smtClean="0">
+                <a:solidFill>
+                  <a:srgbClr val="595959"/>
+                </a:solidFill>
+                <a:latin typeface="Arial"/>
+                <a:cs typeface="Arial"/>
+              </a:rPr>
+              <a:t>dụ</a:t>
+            </a:r>
+            <a:r>
+              <a:rPr lang="en-US" dirty="0">
+                <a:solidFill>
+                  <a:srgbClr val="595959"/>
+                </a:solidFill>
+                <a:latin typeface="Arial"/>
+                <a:cs typeface="Arial"/>
+              </a:rPr>
+              <a:t> </a:t>
+            </a:r>
+            <a:r>
+              <a:rPr lang="en-US" dirty="0" err="1" smtClean="0">
+                <a:solidFill>
+                  <a:srgbClr val="595959"/>
+                </a:solidFill>
+                <a:latin typeface="Arial"/>
+                <a:cs typeface="Arial"/>
+              </a:rPr>
+              <a:t>hệ</a:t>
+            </a:r>
+            <a:r>
+              <a:rPr lang="en-US" dirty="0" smtClean="0">
+                <a:solidFill>
+                  <a:srgbClr val="595959"/>
+                </a:solidFill>
+                <a:latin typeface="Arial"/>
+                <a:cs typeface="Arial"/>
+              </a:rPr>
+              <a:t> </a:t>
+            </a:r>
+            <a:r>
+              <a:rPr lang="en-US" dirty="0" err="1" smtClean="0">
+                <a:solidFill>
+                  <a:srgbClr val="595959"/>
+                </a:solidFill>
+                <a:latin typeface="Arial"/>
+                <a:cs typeface="Arial"/>
+              </a:rPr>
+              <a:t>thống</a:t>
+            </a:r>
+            <a:r>
+              <a:rPr lang="en-US" dirty="0" smtClean="0">
+                <a:solidFill>
+                  <a:srgbClr val="595959"/>
+                </a:solidFill>
+                <a:latin typeface="Arial"/>
+                <a:cs typeface="Arial"/>
+              </a:rPr>
+              <a:t> </a:t>
+            </a:r>
+            <a:r>
+              <a:rPr lang="en-US" dirty="0" err="1" smtClean="0">
+                <a:solidFill>
+                  <a:srgbClr val="595959"/>
+                </a:solidFill>
+                <a:latin typeface="Arial"/>
+                <a:cs typeface="Arial"/>
+              </a:rPr>
+              <a:t>sẽ</a:t>
+            </a:r>
+            <a:r>
+              <a:rPr lang="en-US" dirty="0" smtClean="0">
+                <a:solidFill>
+                  <a:srgbClr val="595959"/>
+                </a:solidFill>
+                <a:latin typeface="Arial"/>
+                <a:cs typeface="Arial"/>
+              </a:rPr>
+              <a:t> </a:t>
+            </a:r>
+            <a:r>
+              <a:rPr lang="en-US" dirty="0" err="1" smtClean="0">
+                <a:solidFill>
+                  <a:srgbClr val="595959"/>
+                </a:solidFill>
+                <a:latin typeface="Arial"/>
+                <a:cs typeface="Arial"/>
+              </a:rPr>
+              <a:t>quét</a:t>
+            </a:r>
+            <a:r>
+              <a:rPr lang="en-US" dirty="0" smtClean="0">
+                <a:solidFill>
+                  <a:srgbClr val="595959"/>
+                </a:solidFill>
+                <a:latin typeface="Arial"/>
+                <a:cs typeface="Arial"/>
+              </a:rPr>
+              <a:t> </a:t>
+            </a:r>
+            <a:r>
+              <a:rPr lang="en-US" dirty="0" err="1" smtClean="0">
+                <a:solidFill>
+                  <a:srgbClr val="595959"/>
+                </a:solidFill>
+                <a:latin typeface="Arial"/>
+                <a:cs typeface="Arial"/>
+              </a:rPr>
+              <a:t>đường</a:t>
+            </a:r>
+            <a:r>
+              <a:rPr lang="en-US" dirty="0" smtClean="0">
+                <a:solidFill>
+                  <a:srgbClr val="595959"/>
+                </a:solidFill>
+                <a:latin typeface="Arial"/>
+                <a:cs typeface="Arial"/>
+              </a:rPr>
+              <a:t> </a:t>
+            </a:r>
+            <a:r>
+              <a:rPr lang="en-US" dirty="0" err="1" smtClean="0">
+                <a:solidFill>
+                  <a:srgbClr val="595959"/>
+                </a:solidFill>
+                <a:latin typeface="Arial"/>
+                <a:cs typeface="Arial"/>
+              </a:rPr>
+              <a:t>dẫn</a:t>
+            </a:r>
+            <a:r>
+              <a:rPr lang="en-US" dirty="0" smtClean="0">
+                <a:solidFill>
+                  <a:srgbClr val="595959"/>
+                </a:solidFill>
+                <a:latin typeface="Arial"/>
+                <a:cs typeface="Arial"/>
+              </a:rPr>
+              <a:t>:</a:t>
+            </a:r>
+          </a:p>
+          <a:p>
+            <a:pPr marL="457200" lvl="1" indent="0">
+              <a:buNone/>
+            </a:pPr>
+            <a:r>
+              <a:rPr lang="en-US" dirty="0">
+                <a:solidFill>
+                  <a:srgbClr val="595959"/>
+                </a:solidFill>
+                <a:latin typeface="Arial"/>
+                <a:cs typeface="Arial"/>
+                <a:hlinkClick r:id="rId2"/>
+              </a:rPr>
+              <a:t>http://your-site.com/wss-datafeed</a:t>
+            </a:r>
+            <a:r>
+              <a:rPr lang="en-US" dirty="0" smtClean="0">
+                <a:solidFill>
+                  <a:srgbClr val="595959"/>
+                </a:solidFill>
+                <a:latin typeface="Arial"/>
+                <a:cs typeface="Arial"/>
+                <a:hlinkClick r:id="rId2"/>
+              </a:rPr>
+              <a:t>/?pagenum=1</a:t>
+            </a:r>
+            <a:r>
+              <a:rPr lang="en-US" dirty="0" smtClean="0">
+                <a:solidFill>
+                  <a:srgbClr val="595959"/>
+                </a:solidFill>
+                <a:latin typeface="Arial"/>
+                <a:cs typeface="Arial"/>
+              </a:rPr>
+              <a:t> </a:t>
+            </a:r>
+          </a:p>
+          <a:p>
+            <a:pPr marL="457200" lvl="1" indent="0">
+              <a:buNone/>
+            </a:pPr>
+            <a:r>
+              <a:rPr lang="en-US" dirty="0" smtClean="0">
+                <a:solidFill>
+                  <a:srgbClr val="595959"/>
+                </a:solidFill>
+                <a:latin typeface="Arial"/>
+                <a:cs typeface="Arial"/>
+              </a:rPr>
+              <a:t>Cho </a:t>
+            </a:r>
+            <a:r>
+              <a:rPr lang="en-US" dirty="0" err="1" smtClean="0">
+                <a:solidFill>
+                  <a:srgbClr val="595959"/>
+                </a:solidFill>
+                <a:latin typeface="Arial"/>
+                <a:cs typeface="Arial"/>
+              </a:rPr>
+              <a:t>đến</a:t>
+            </a:r>
+            <a:r>
+              <a:rPr lang="en-US" dirty="0" smtClean="0">
+                <a:solidFill>
+                  <a:srgbClr val="595959"/>
+                </a:solidFill>
+                <a:latin typeface="Arial"/>
+                <a:cs typeface="Arial"/>
+              </a:rPr>
+              <a:t>:</a:t>
+            </a:r>
+          </a:p>
+          <a:p>
+            <a:pPr marL="457200" lvl="1" indent="0">
+              <a:buNone/>
+            </a:pPr>
+            <a:r>
+              <a:rPr lang="en-US" dirty="0">
+                <a:solidFill>
+                  <a:srgbClr val="595959"/>
+                </a:solidFill>
+                <a:latin typeface="Arial"/>
+                <a:cs typeface="Arial"/>
+                <a:hlinkClick r:id="rId3"/>
+              </a:rPr>
+              <a:t>http://your-site.com/wss-datafeed</a:t>
+            </a:r>
+            <a:r>
+              <a:rPr lang="en-US" dirty="0" smtClean="0">
+                <a:solidFill>
+                  <a:srgbClr val="595959"/>
+                </a:solidFill>
+                <a:latin typeface="Arial"/>
+                <a:cs typeface="Arial"/>
+                <a:hlinkClick r:id="rId3"/>
+              </a:rPr>
+              <a:t>/?pagenum=42</a:t>
+            </a:r>
+            <a:endParaRPr lang="en-US" dirty="0" smtClean="0">
+              <a:solidFill>
+                <a:srgbClr val="595959"/>
+              </a:solidFill>
+              <a:latin typeface="Arial"/>
+              <a:cs typeface="Arial"/>
+            </a:endParaRPr>
+          </a:p>
+          <a:p>
+            <a:pPr marL="457200" lvl="1" indent="0">
+              <a:buNone/>
+            </a:pPr>
             <a:endParaRPr lang="en-US" dirty="0" smtClean="0">
               <a:solidFill>
                 <a:srgbClr val="595959"/>
@@ -14942,7 +18220,7 @@
     </p:spTree>
     <p:extLst>
       <p:ext uri="{BB962C8B-B14F-4D97-AF65-F5344CB8AC3E}">
-        <p14:creationId xmlns:p14="http://schemas.microsoft.com/office/powerpoint/2010/main" val="1904733972"/>
+        <p14:creationId xmlns:p14="http://schemas.microsoft.com/office/powerpoint/2010/main" val="1893166160"/>
       </p:ext>
     </p:extLst>
   </p:cSld>

--- a/Webosanh.vn - Data Feed Introduction.pptx
+++ b/Webosanh.vn - Data Feed Introduction.pptx
@@ -4331,14 +4331,14 @@
               <a:t> </a:t>
             </a:r>
             <a:r>
-              <a:rPr lang="en-US" dirty="0" err="1">
-                <a:solidFill>
-                  <a:srgbClr val="595959"/>
-                </a:solidFill>
-                <a:latin typeface="Arial"/>
-                <a:cs typeface="Arial"/>
-              </a:rPr>
-              <a:t>thông</a:t>
+              <a:rPr lang="en-US" dirty="0" err="1" smtClean="0">
+                <a:solidFill>
+                  <a:srgbClr val="595959"/>
+                </a:solidFill>
+                <a:latin typeface="Arial"/>
+                <a:cs typeface="Arial"/>
+              </a:rPr>
+              <a:t>thống</a:t>
             </a:r>
             <a:r>
               <a:rPr lang="en-US" dirty="0">
@@ -4351,7 +4351,7 @@
               <a:t> </a:t>
             </a:r>
             <a:r>
-              <a:rPr lang="en-US" dirty="0" err="1">
+              <a:rPr lang="en-US" dirty="0" err="1" smtClean="0">
                 <a:solidFill>
                   <a:srgbClr val="595959"/>
                 </a:solidFill>
@@ -4361,7 +4361,7 @@
               <a:t>gian</a:t>
             </a:r>
             <a:r>
-              <a:rPr lang="en-US" dirty="0">
+              <a:rPr lang="en-US" dirty="0" smtClean="0">
                 <a:solidFill>
                   <a:srgbClr val="595959"/>
                 </a:solidFill>
@@ -10823,14 +10823,24 @@
           <a:p>
             <a:pPr lvl="1"/>
             <a:r>
-              <a:rPr lang="en-US" dirty="0" smtClean="0">
-                <a:solidFill>
-                  <a:srgbClr val="595959"/>
-                </a:solidFill>
-                <a:latin typeface="Arial"/>
-                <a:cs typeface="Arial"/>
-              </a:rPr>
-              <a:t>description: </a:t>
+              <a:rPr lang="en-US" b="1" dirty="0" smtClean="0">
+                <a:solidFill>
+                  <a:srgbClr val="595959"/>
+                </a:solidFill>
+                <a:latin typeface="Arial"/>
+                <a:cs typeface="Arial"/>
+              </a:rPr>
+              <a:t>description</a:t>
+            </a:r>
+            <a:r>
+              <a:rPr lang="en-US" dirty="0" smtClean="0">
+                <a:solidFill>
+                  <a:srgbClr val="595959"/>
+                </a:solidFill>
+                <a:latin typeface="Arial"/>
+                <a:cs typeface="Arial"/>
+              </a:rPr>
+              <a:t>: </a:t>
             </a:r>
             <a:r>
               <a:rPr lang="en-US" dirty="0" err="1" smtClean="0">
@@ -10910,47 +10920,67 @@
                 <a:latin typeface="Arial"/>
                 <a:cs typeface="Arial"/>
               </a:rPr>
-              <a:t> (</a:t>
-            </a:r>
-            <a:r>
-              <a:rPr lang="en-US" dirty="0" err="1" smtClean="0">
-                <a:solidFill>
-                  <a:srgbClr val="595959"/>
-                </a:solidFill>
-                <a:latin typeface="Arial"/>
-                <a:cs typeface="Arial"/>
-              </a:rPr>
-              <a:t>Bắt</a:t>
-            </a:r>
-            <a:r>
-              <a:rPr lang="en-US" dirty="0" smtClean="0">
-                <a:solidFill>
-                  <a:srgbClr val="595959"/>
-                </a:solidFill>
-                <a:latin typeface="Arial"/>
-                <a:cs typeface="Arial"/>
-              </a:rPr>
-              <a:t> </a:t>
-            </a:r>
-            <a:r>
-              <a:rPr lang="en-US" dirty="0" err="1" smtClean="0">
-                <a:solidFill>
-                  <a:srgbClr val="595959"/>
-                </a:solidFill>
-                <a:latin typeface="Arial"/>
-                <a:cs typeface="Arial"/>
-              </a:rPr>
-              <a:t>buộc</a:t>
-            </a:r>
-            <a:r>
-              <a:rPr lang="en-US" dirty="0" smtClean="0">
-                <a:solidFill>
-                  <a:srgbClr val="595959"/>
-                </a:solidFill>
-                <a:latin typeface="Arial"/>
-                <a:cs typeface="Arial"/>
-              </a:rPr>
-              <a:t>: ~220 words, plain text)</a:t>
+              <a:t> </a:t>
+            </a:r>
+            <a:r>
+              <a:rPr lang="en-US" dirty="0" smtClean="0">
+                <a:solidFill>
+                  <a:srgbClr val="595959"/>
+                </a:solidFill>
+                <a:latin typeface="Arial"/>
+                <a:cs typeface="Arial"/>
+              </a:rPr>
+              <a:t>(</a:t>
+            </a:r>
+            <a:r>
+              <a:rPr lang="en-US" dirty="0" err="1" smtClean="0">
+                <a:solidFill>
+                  <a:srgbClr val="595959"/>
+                </a:solidFill>
+                <a:latin typeface="Arial"/>
+                <a:cs typeface="Arial"/>
+              </a:rPr>
+              <a:t>Nên</a:t>
+            </a:r>
+            <a:r>
+              <a:rPr lang="en-US" dirty="0" smtClean="0">
+                <a:solidFill>
+                  <a:srgbClr val="595959"/>
+                </a:solidFill>
+                <a:latin typeface="Arial"/>
+                <a:cs typeface="Arial"/>
+              </a:rPr>
+              <a:t> </a:t>
+            </a:r>
+            <a:r>
+              <a:rPr lang="en-US" dirty="0" err="1" smtClean="0">
+                <a:solidFill>
+                  <a:srgbClr val="595959"/>
+                </a:solidFill>
+                <a:latin typeface="Arial"/>
+                <a:cs typeface="Arial"/>
+              </a:rPr>
+              <a:t>có</a:t>
+            </a:r>
+            <a:r>
+              <a:rPr lang="en-US" dirty="0" smtClean="0">
+                <a:solidFill>
+                  <a:srgbClr val="595959"/>
+                </a:solidFill>
+                <a:latin typeface="Arial"/>
+                <a:cs typeface="Arial"/>
+              </a:rPr>
+              <a:t>: </a:t>
+            </a:r>
+            <a:r>
+              <a:rPr lang="en-US" dirty="0" smtClean="0">
+                <a:solidFill>
+                  <a:srgbClr val="595959"/>
+                </a:solidFill>
+                <a:latin typeface="Arial"/>
+                <a:cs typeface="Arial"/>
+              </a:rPr>
+              <a:t>~220 words, plain text)</a:t>
             </a:r>
           </a:p>
           <a:p>
@@ -11914,14 +11944,24 @@
           <a:p>
             <a:pPr lvl="1"/>
             <a:r>
-              <a:rPr lang="en-US" dirty="0" smtClean="0">
-                <a:solidFill>
-                  <a:srgbClr val="595959"/>
-                </a:solidFill>
-                <a:latin typeface="Arial"/>
-                <a:cs typeface="Arial"/>
-              </a:rPr>
-              <a:t>category_1: </a:t>
+              <a:rPr lang="en-US" b="1" dirty="0" smtClean="0">
+                <a:solidFill>
+                  <a:srgbClr val="595959"/>
+                </a:solidFill>
+                <a:latin typeface="Arial"/>
+                <a:cs typeface="Arial"/>
+              </a:rPr>
+              <a:t>category_1</a:t>
+            </a:r>
+            <a:r>
+              <a:rPr lang="en-US" dirty="0" smtClean="0">
+                <a:solidFill>
+                  <a:srgbClr val="595959"/>
+                </a:solidFill>
+                <a:latin typeface="Arial"/>
+                <a:cs typeface="Arial"/>
+              </a:rPr>
+              <a:t>: </a:t>
             </a:r>
             <a:r>
               <a:rPr lang="en-US" dirty="0" err="1" smtClean="0">
@@ -11981,37 +12021,47 @@
                 <a:latin typeface="Arial"/>
                 <a:cs typeface="Arial"/>
               </a:rPr>
-              <a:t> 1 (</a:t>
-            </a:r>
-            <a:r>
-              <a:rPr lang="en-US" dirty="0" err="1" smtClean="0">
-                <a:solidFill>
-                  <a:srgbClr val="595959"/>
-                </a:solidFill>
-                <a:latin typeface="Arial"/>
-                <a:cs typeface="Arial"/>
-              </a:rPr>
-              <a:t>Bắt</a:t>
-            </a:r>
-            <a:r>
-              <a:rPr lang="en-US" dirty="0" smtClean="0">
-                <a:solidFill>
-                  <a:srgbClr val="595959"/>
-                </a:solidFill>
-                <a:latin typeface="Arial"/>
-                <a:cs typeface="Arial"/>
-              </a:rPr>
-              <a:t> </a:t>
-            </a:r>
-            <a:r>
-              <a:rPr lang="en-US" dirty="0" err="1" smtClean="0">
-                <a:solidFill>
-                  <a:srgbClr val="595959"/>
-                </a:solidFill>
-                <a:latin typeface="Arial"/>
-                <a:cs typeface="Arial"/>
-              </a:rPr>
-              <a:t>buộc</a:t>
+              <a:t> 1 </a:t>
+            </a:r>
+            <a:r>
+              <a:rPr lang="en-US" dirty="0" smtClean="0">
+                <a:solidFill>
+                  <a:srgbClr val="595959"/>
+                </a:solidFill>
+                <a:latin typeface="Arial"/>
+                <a:cs typeface="Arial"/>
+              </a:rPr>
+              <a:t>(</a:t>
+            </a:r>
+            <a:r>
+              <a:rPr lang="en-US" dirty="0" err="1" smtClean="0">
+                <a:solidFill>
+                  <a:srgbClr val="595959"/>
+                </a:solidFill>
+                <a:latin typeface="Arial"/>
+                <a:cs typeface="Arial"/>
+              </a:rPr>
+              <a:t>Nên</a:t>
+            </a:r>
+            <a:r>
+              <a:rPr lang="en-US" dirty="0" smtClean="0">
+                <a:solidFill>
+                  <a:srgbClr val="595959"/>
+                </a:solidFill>
+                <a:latin typeface="Arial"/>
+                <a:cs typeface="Arial"/>
+              </a:rPr>
+              <a:t> </a:t>
+            </a:r>
+            <a:r>
+              <a:rPr lang="en-US" dirty="0" err="1" smtClean="0">
+                <a:solidFill>
+                  <a:srgbClr val="595959"/>
+                </a:solidFill>
+                <a:latin typeface="Arial"/>
+                <a:cs typeface="Arial"/>
+              </a:rPr>
+              <a:t>có</a:t>
             </a:r>
             <a:r>
               <a:rPr lang="en-US" dirty="0" smtClean="0">
@@ -12023,6 +12073,13 @@
               </a:rPr>
               <a:t>)</a:t>
             </a:r>
+            <a:endParaRPr lang="en-US" dirty="0" smtClean="0">
+              <a:solidFill>
+                <a:srgbClr val="595959"/>
+              </a:solidFill>
+              <a:latin typeface="Arial"/>
+              <a:cs typeface="Arial"/>
+            </a:endParaRPr>
           </a:p>
           <a:p>
             <a:pPr lvl="1"/>
@@ -12908,6 +12965,126 @@
               </a:rPr>
               <a:t>)</a:t>
             </a:r>
+          </a:p>
+          <a:p>
+            <a:pPr lvl="1"/>
+            <a:r>
+              <a:rPr lang="en-US" dirty="0" smtClean="0">
+                <a:solidFill>
+                  <a:srgbClr val="595959"/>
+                </a:solidFill>
+                <a:latin typeface="Arial"/>
+                <a:cs typeface="Arial"/>
+              </a:rPr>
+              <a:t>warranty: </a:t>
+            </a:r>
+            <a:r>
+              <a:rPr lang="en-US" smtClean="0">
+                <a:solidFill>
+                  <a:srgbClr val="595959"/>
+                </a:solidFill>
+                <a:latin typeface="Arial"/>
+                <a:cs typeface="Arial"/>
+              </a:rPr>
+              <a:t>Thông</a:t>
+            </a:r>
+            <a:r>
+              <a:rPr lang="en-US" dirty="0" smtClean="0">
+                <a:solidFill>
+                  <a:srgbClr val="595959"/>
+                </a:solidFill>
+                <a:latin typeface="Arial"/>
+                <a:cs typeface="Arial"/>
+              </a:rPr>
+              <a:t> tin </a:t>
+            </a:r>
+            <a:r>
+              <a:rPr lang="en-US" dirty="0" err="1" smtClean="0">
+                <a:solidFill>
+                  <a:srgbClr val="595959"/>
+                </a:solidFill>
+                <a:latin typeface="Arial"/>
+                <a:cs typeface="Arial"/>
+              </a:rPr>
+              <a:t>bảo</a:t>
+            </a:r>
+            <a:r>
+              <a:rPr lang="en-US" dirty="0" smtClean="0">
+                <a:solidFill>
+                  <a:srgbClr val="595959"/>
+                </a:solidFill>
+                <a:latin typeface="Arial"/>
+                <a:cs typeface="Arial"/>
+              </a:rPr>
+              <a:t> </a:t>
+            </a:r>
+            <a:r>
+              <a:rPr lang="en-US" dirty="0" err="1" smtClean="0">
+                <a:solidFill>
+                  <a:srgbClr val="595959"/>
+                </a:solidFill>
+                <a:latin typeface="Arial"/>
+                <a:cs typeface="Arial"/>
+              </a:rPr>
+              <a:t>hành</a:t>
+            </a:r>
+            <a:r>
+              <a:rPr lang="en-US" dirty="0" smtClean="0">
+                <a:solidFill>
+                  <a:srgbClr val="595959"/>
+                </a:solidFill>
+                <a:latin typeface="Arial"/>
+                <a:cs typeface="Arial"/>
+              </a:rPr>
+              <a:t> (</a:t>
+            </a:r>
+            <a:r>
+              <a:rPr lang="en-US" dirty="0" err="1" smtClean="0">
+                <a:solidFill>
+                  <a:srgbClr val="595959"/>
+                </a:solidFill>
+                <a:latin typeface="Arial"/>
+                <a:cs typeface="Arial"/>
+              </a:rPr>
+              <a:t>Nếu</a:t>
+            </a:r>
+            <a:r>
+              <a:rPr lang="en-US" dirty="0" smtClean="0">
+                <a:solidFill>
+                  <a:srgbClr val="595959"/>
+                </a:solidFill>
+                <a:latin typeface="Arial"/>
+                <a:cs typeface="Arial"/>
+              </a:rPr>
+              <a:t> </a:t>
+            </a:r>
+            <a:r>
+              <a:rPr lang="en-US" dirty="0" err="1" smtClean="0">
+                <a:solidFill>
+                  <a:srgbClr val="595959"/>
+                </a:solidFill>
+                <a:latin typeface="Arial"/>
+                <a:cs typeface="Arial"/>
+              </a:rPr>
+              <a:t>có</a:t>
+            </a:r>
+            <a:r>
+              <a:rPr lang="en-US" dirty="0" smtClean="0">
+                <a:solidFill>
+                  <a:srgbClr val="595959"/>
+                </a:solidFill>
+                <a:latin typeface="Arial"/>
+                <a:cs typeface="Arial"/>
+              </a:rPr>
+              <a:t>)</a:t>
+            </a:r>
+            <a:endParaRPr lang="en-US" dirty="0" smtClean="0">
+              <a:solidFill>
+                <a:srgbClr val="595959"/>
+              </a:solidFill>
+              <a:latin typeface="Arial"/>
+              <a:cs typeface="Arial"/>
+            </a:endParaRPr>
           </a:p>
           <a:p>
             <a:pPr lvl="1"/>
